--- a/GraphSentiment.pptx
+++ b/GraphSentiment.pptx
@@ -7,6 +7,7 @@
   <p:sldIdLst>
     <p:sldId id="256" r:id="rId2"/>
     <p:sldId id="257" r:id="rId3"/>
+    <p:sldId id="258" r:id="rId4"/>
   </p:sldIdLst>
   <p:sldSz cx="12192000" cy="6858000"/>
   <p:notesSz cx="6858000" cy="9144000"/>
@@ -239,7 +240,8 @@
           <a:p>
             <a:fld id="{235425E2-996F-4133-AEC7-966A9DFD21AE}" type="datetimeFigureOut">
               <a:rPr lang="en-IN" smtClean="0"/>
-              <a:t>16-05-2017</a:t>
+              <a:pPr/>
+              <a:t>17-05-2017</a:t>
             </a:fld>
             <a:endParaRPr lang="en-IN"/>
           </a:p>
@@ -281,6 +283,7 @@
           <a:p>
             <a:fld id="{42068692-9180-4C77-8BEA-973384BA334C}" type="slidenum">
               <a:rPr lang="en-IN" smtClean="0"/>
+              <a:pPr/>
               <a:t>‹#›</a:t>
             </a:fld>
             <a:endParaRPr lang="en-IN"/>
@@ -290,7 +293,7 @@
     </p:spTree>
     <p:extLst>
       <p:ext uri="{BB962C8B-B14F-4D97-AF65-F5344CB8AC3E}">
-        <p14:creationId xmlns:p14="http://schemas.microsoft.com/office/powerpoint/2010/main" val="700455287"/>
+        <p14:creationId xmlns:p14="http://schemas.microsoft.com/office/powerpoint/2010/main" xmlns="" val="700455287"/>
       </p:ext>
     </p:extLst>
   </p:cSld>
@@ -409,7 +412,8 @@
           <a:p>
             <a:fld id="{235425E2-996F-4133-AEC7-966A9DFD21AE}" type="datetimeFigureOut">
               <a:rPr lang="en-IN" smtClean="0"/>
-              <a:t>16-05-2017</a:t>
+              <a:pPr/>
+              <a:t>17-05-2017</a:t>
             </a:fld>
             <a:endParaRPr lang="en-IN"/>
           </a:p>
@@ -451,6 +455,7 @@
           <a:p>
             <a:fld id="{42068692-9180-4C77-8BEA-973384BA334C}" type="slidenum">
               <a:rPr lang="en-IN" smtClean="0"/>
+              <a:pPr/>
               <a:t>‹#›</a:t>
             </a:fld>
             <a:endParaRPr lang="en-IN"/>
@@ -460,7 +465,7 @@
     </p:spTree>
     <p:extLst>
       <p:ext uri="{BB962C8B-B14F-4D97-AF65-F5344CB8AC3E}">
-        <p14:creationId xmlns:p14="http://schemas.microsoft.com/office/powerpoint/2010/main" val="2552873799"/>
+        <p14:creationId xmlns:p14="http://schemas.microsoft.com/office/powerpoint/2010/main" xmlns="" val="2552873799"/>
       </p:ext>
     </p:extLst>
   </p:cSld>
@@ -589,7 +594,8 @@
           <a:p>
             <a:fld id="{235425E2-996F-4133-AEC7-966A9DFD21AE}" type="datetimeFigureOut">
               <a:rPr lang="en-IN" smtClean="0"/>
-              <a:t>16-05-2017</a:t>
+              <a:pPr/>
+              <a:t>17-05-2017</a:t>
             </a:fld>
             <a:endParaRPr lang="en-IN"/>
           </a:p>
@@ -631,6 +637,7 @@
           <a:p>
             <a:fld id="{42068692-9180-4C77-8BEA-973384BA334C}" type="slidenum">
               <a:rPr lang="en-IN" smtClean="0"/>
+              <a:pPr/>
               <a:t>‹#›</a:t>
             </a:fld>
             <a:endParaRPr lang="en-IN"/>
@@ -640,7 +647,7 @@
     </p:spTree>
     <p:extLst>
       <p:ext uri="{BB962C8B-B14F-4D97-AF65-F5344CB8AC3E}">
-        <p14:creationId xmlns:p14="http://schemas.microsoft.com/office/powerpoint/2010/main" val="1094230932"/>
+        <p14:creationId xmlns:p14="http://schemas.microsoft.com/office/powerpoint/2010/main" xmlns="" val="1094230932"/>
       </p:ext>
     </p:extLst>
   </p:cSld>
@@ -759,7 +766,8 @@
           <a:p>
             <a:fld id="{235425E2-996F-4133-AEC7-966A9DFD21AE}" type="datetimeFigureOut">
               <a:rPr lang="en-IN" smtClean="0"/>
-              <a:t>16-05-2017</a:t>
+              <a:pPr/>
+              <a:t>17-05-2017</a:t>
             </a:fld>
             <a:endParaRPr lang="en-IN"/>
           </a:p>
@@ -801,6 +809,7 @@
           <a:p>
             <a:fld id="{42068692-9180-4C77-8BEA-973384BA334C}" type="slidenum">
               <a:rPr lang="en-IN" smtClean="0"/>
+              <a:pPr/>
               <a:t>‹#›</a:t>
             </a:fld>
             <a:endParaRPr lang="en-IN"/>
@@ -810,7 +819,7 @@
     </p:spTree>
     <p:extLst>
       <p:ext uri="{BB962C8B-B14F-4D97-AF65-F5344CB8AC3E}">
-        <p14:creationId xmlns:p14="http://schemas.microsoft.com/office/powerpoint/2010/main" val="1737937553"/>
+        <p14:creationId xmlns:p14="http://schemas.microsoft.com/office/powerpoint/2010/main" xmlns="" val="1737937553"/>
       </p:ext>
     </p:extLst>
   </p:cSld>
@@ -1005,7 +1014,8 @@
           <a:p>
             <a:fld id="{235425E2-996F-4133-AEC7-966A9DFD21AE}" type="datetimeFigureOut">
               <a:rPr lang="en-IN" smtClean="0"/>
-              <a:t>16-05-2017</a:t>
+              <a:pPr/>
+              <a:t>17-05-2017</a:t>
             </a:fld>
             <a:endParaRPr lang="en-IN"/>
           </a:p>
@@ -1047,6 +1057,7 @@
           <a:p>
             <a:fld id="{42068692-9180-4C77-8BEA-973384BA334C}" type="slidenum">
               <a:rPr lang="en-IN" smtClean="0"/>
+              <a:pPr/>
               <a:t>‹#›</a:t>
             </a:fld>
             <a:endParaRPr lang="en-IN"/>
@@ -1056,7 +1067,7 @@
     </p:spTree>
     <p:extLst>
       <p:ext uri="{BB962C8B-B14F-4D97-AF65-F5344CB8AC3E}">
-        <p14:creationId xmlns:p14="http://schemas.microsoft.com/office/powerpoint/2010/main" val="2238103518"/>
+        <p14:creationId xmlns:p14="http://schemas.microsoft.com/office/powerpoint/2010/main" xmlns="" val="2238103518"/>
       </p:ext>
     </p:extLst>
   </p:cSld>
@@ -1237,7 +1248,8 @@
           <a:p>
             <a:fld id="{235425E2-996F-4133-AEC7-966A9DFD21AE}" type="datetimeFigureOut">
               <a:rPr lang="en-IN" smtClean="0"/>
-              <a:t>16-05-2017</a:t>
+              <a:pPr/>
+              <a:t>17-05-2017</a:t>
             </a:fld>
             <a:endParaRPr lang="en-IN"/>
           </a:p>
@@ -1279,6 +1291,7 @@
           <a:p>
             <a:fld id="{42068692-9180-4C77-8BEA-973384BA334C}" type="slidenum">
               <a:rPr lang="en-IN" smtClean="0"/>
+              <a:pPr/>
               <a:t>‹#›</a:t>
             </a:fld>
             <a:endParaRPr lang="en-IN"/>
@@ -1288,7 +1301,7 @@
     </p:spTree>
     <p:extLst>
       <p:ext uri="{BB962C8B-B14F-4D97-AF65-F5344CB8AC3E}">
-        <p14:creationId xmlns:p14="http://schemas.microsoft.com/office/powerpoint/2010/main" val="1194280043"/>
+        <p14:creationId xmlns:p14="http://schemas.microsoft.com/office/powerpoint/2010/main" xmlns="" val="1194280043"/>
       </p:ext>
     </p:extLst>
   </p:cSld>
@@ -1604,7 +1617,8 @@
           <a:p>
             <a:fld id="{235425E2-996F-4133-AEC7-966A9DFD21AE}" type="datetimeFigureOut">
               <a:rPr lang="en-IN" smtClean="0"/>
-              <a:t>16-05-2017</a:t>
+              <a:pPr/>
+              <a:t>17-05-2017</a:t>
             </a:fld>
             <a:endParaRPr lang="en-IN"/>
           </a:p>
@@ -1646,6 +1660,7 @@
           <a:p>
             <a:fld id="{42068692-9180-4C77-8BEA-973384BA334C}" type="slidenum">
               <a:rPr lang="en-IN" smtClean="0"/>
+              <a:pPr/>
               <a:t>‹#›</a:t>
             </a:fld>
             <a:endParaRPr lang="en-IN"/>
@@ -1655,7 +1670,7 @@
     </p:spTree>
     <p:extLst>
       <p:ext uri="{BB962C8B-B14F-4D97-AF65-F5344CB8AC3E}">
-        <p14:creationId xmlns:p14="http://schemas.microsoft.com/office/powerpoint/2010/main" val="3518944507"/>
+        <p14:creationId xmlns:p14="http://schemas.microsoft.com/office/powerpoint/2010/main" xmlns="" val="3518944507"/>
       </p:ext>
     </p:extLst>
   </p:cSld>
@@ -1722,7 +1737,8 @@
           <a:p>
             <a:fld id="{235425E2-996F-4133-AEC7-966A9DFD21AE}" type="datetimeFigureOut">
               <a:rPr lang="en-IN" smtClean="0"/>
-              <a:t>16-05-2017</a:t>
+              <a:pPr/>
+              <a:t>17-05-2017</a:t>
             </a:fld>
             <a:endParaRPr lang="en-IN"/>
           </a:p>
@@ -1764,6 +1780,7 @@
           <a:p>
             <a:fld id="{42068692-9180-4C77-8BEA-973384BA334C}" type="slidenum">
               <a:rPr lang="en-IN" smtClean="0"/>
+              <a:pPr/>
               <a:t>‹#›</a:t>
             </a:fld>
             <a:endParaRPr lang="en-IN"/>
@@ -1773,7 +1790,7 @@
     </p:spTree>
     <p:extLst>
       <p:ext uri="{BB962C8B-B14F-4D97-AF65-F5344CB8AC3E}">
-        <p14:creationId xmlns:p14="http://schemas.microsoft.com/office/powerpoint/2010/main" val="651124884"/>
+        <p14:creationId xmlns:p14="http://schemas.microsoft.com/office/powerpoint/2010/main" xmlns="" val="651124884"/>
       </p:ext>
     </p:extLst>
   </p:cSld>
@@ -1817,7 +1834,8 @@
           <a:p>
             <a:fld id="{235425E2-996F-4133-AEC7-966A9DFD21AE}" type="datetimeFigureOut">
               <a:rPr lang="en-IN" smtClean="0"/>
-              <a:t>16-05-2017</a:t>
+              <a:pPr/>
+              <a:t>17-05-2017</a:t>
             </a:fld>
             <a:endParaRPr lang="en-IN"/>
           </a:p>
@@ -1859,6 +1877,7 @@
           <a:p>
             <a:fld id="{42068692-9180-4C77-8BEA-973384BA334C}" type="slidenum">
               <a:rPr lang="en-IN" smtClean="0"/>
+              <a:pPr/>
               <a:t>‹#›</a:t>
             </a:fld>
             <a:endParaRPr lang="en-IN"/>
@@ -1868,7 +1887,7 @@
     </p:spTree>
     <p:extLst>
       <p:ext uri="{BB962C8B-B14F-4D97-AF65-F5344CB8AC3E}">
-        <p14:creationId xmlns:p14="http://schemas.microsoft.com/office/powerpoint/2010/main" val="2855317131"/>
+        <p14:creationId xmlns:p14="http://schemas.microsoft.com/office/powerpoint/2010/main" xmlns="" val="2855317131"/>
       </p:ext>
     </p:extLst>
   </p:cSld>
@@ -2094,7 +2113,8 @@
           <a:p>
             <a:fld id="{235425E2-996F-4133-AEC7-966A9DFD21AE}" type="datetimeFigureOut">
               <a:rPr lang="en-IN" smtClean="0"/>
-              <a:t>16-05-2017</a:t>
+              <a:pPr/>
+              <a:t>17-05-2017</a:t>
             </a:fld>
             <a:endParaRPr lang="en-IN"/>
           </a:p>
@@ -2136,6 +2156,7 @@
           <a:p>
             <a:fld id="{42068692-9180-4C77-8BEA-973384BA334C}" type="slidenum">
               <a:rPr lang="en-IN" smtClean="0"/>
+              <a:pPr/>
               <a:t>‹#›</a:t>
             </a:fld>
             <a:endParaRPr lang="en-IN"/>
@@ -2145,7 +2166,7 @@
     </p:spTree>
     <p:extLst>
       <p:ext uri="{BB962C8B-B14F-4D97-AF65-F5344CB8AC3E}">
-        <p14:creationId xmlns:p14="http://schemas.microsoft.com/office/powerpoint/2010/main" val="3200747689"/>
+        <p14:creationId xmlns:p14="http://schemas.microsoft.com/office/powerpoint/2010/main" xmlns="" val="3200747689"/>
       </p:ext>
     </p:extLst>
   </p:cSld>
@@ -2347,7 +2368,8 @@
           <a:p>
             <a:fld id="{235425E2-996F-4133-AEC7-966A9DFD21AE}" type="datetimeFigureOut">
               <a:rPr lang="en-IN" smtClean="0"/>
-              <a:t>16-05-2017</a:t>
+              <a:pPr/>
+              <a:t>17-05-2017</a:t>
             </a:fld>
             <a:endParaRPr lang="en-IN"/>
           </a:p>
@@ -2389,6 +2411,7 @@
           <a:p>
             <a:fld id="{42068692-9180-4C77-8BEA-973384BA334C}" type="slidenum">
               <a:rPr lang="en-IN" smtClean="0"/>
+              <a:pPr/>
               <a:t>‹#›</a:t>
             </a:fld>
             <a:endParaRPr lang="en-IN"/>
@@ -2398,7 +2421,7 @@
     </p:spTree>
     <p:extLst>
       <p:ext uri="{BB962C8B-B14F-4D97-AF65-F5344CB8AC3E}">
-        <p14:creationId xmlns:p14="http://schemas.microsoft.com/office/powerpoint/2010/main" val="3474886420"/>
+        <p14:creationId xmlns:p14="http://schemas.microsoft.com/office/powerpoint/2010/main" xmlns="" val="3474886420"/>
       </p:ext>
     </p:extLst>
   </p:cSld>
@@ -2560,7 +2583,8 @@
           <a:p>
             <a:fld id="{235425E2-996F-4133-AEC7-966A9DFD21AE}" type="datetimeFigureOut">
               <a:rPr lang="en-IN" smtClean="0"/>
-              <a:t>16-05-2017</a:t>
+              <a:pPr/>
+              <a:t>17-05-2017</a:t>
             </a:fld>
             <a:endParaRPr lang="en-IN"/>
           </a:p>
@@ -2638,6 +2662,7 @@
           <a:p>
             <a:fld id="{42068692-9180-4C77-8BEA-973384BA334C}" type="slidenum">
               <a:rPr lang="en-IN" smtClean="0"/>
+              <a:pPr/>
               <a:t>‹#›</a:t>
             </a:fld>
             <a:endParaRPr lang="en-IN"/>
@@ -2647,7 +2672,7 @@
     </p:spTree>
     <p:extLst>
       <p:ext uri="{BB962C8B-B14F-4D97-AF65-F5344CB8AC3E}">
-        <p14:creationId xmlns:p14="http://schemas.microsoft.com/office/powerpoint/2010/main" val="850994138"/>
+        <p14:creationId xmlns:p14="http://schemas.microsoft.com/office/powerpoint/2010/main" xmlns="" val="850994138"/>
       </p:ext>
     </p:extLst>
   </p:cSld>
@@ -4324,44 +4349,6 @@
       </p:cxnSp>
       <p:cxnSp>
         <p:nvCxnSpPr>
-          <p:cNvPr id="91" name="Elbow Connector 90"/>
-          <p:cNvCxnSpPr>
-            <a:stCxn id="23" idx="2"/>
-            <a:endCxn id="76" idx="0"/>
-          </p:cNvCxnSpPr>
-          <p:nvPr/>
-        </p:nvCxnSpPr>
-        <p:spPr>
-          <a:xfrm rot="16200000" flipH="1">
-            <a:off x="8686550" y="4041466"/>
-            <a:ext cx="3097535" cy="10937"/>
-          </a:xfrm>
-          <a:prstGeom prst="bentConnector3">
-            <a:avLst>
-              <a:gd name="adj1" fmla="val 50000"/>
-            </a:avLst>
-          </a:prstGeom>
-          <a:ln>
-            <a:tailEnd type="triangle"/>
-          </a:ln>
-        </p:spPr>
-        <p:style>
-          <a:lnRef idx="1">
-            <a:schemeClr val="accent1"/>
-          </a:lnRef>
-          <a:fillRef idx="0">
-            <a:schemeClr val="accent1"/>
-          </a:fillRef>
-          <a:effectRef idx="0">
-            <a:schemeClr val="accent1"/>
-          </a:effectRef>
-          <a:fontRef idx="minor">
-            <a:schemeClr val="tx1"/>
-          </a:fontRef>
-        </p:style>
-      </p:cxnSp>
-      <p:cxnSp>
-        <p:nvCxnSpPr>
           <p:cNvPr id="93" name="Elbow Connector 92"/>
           <p:cNvCxnSpPr>
             <a:stCxn id="23" idx="2"/>
@@ -4445,7 +4432,7 @@
     </p:spTree>
     <p:extLst>
       <p:ext uri="{BB962C8B-B14F-4D97-AF65-F5344CB8AC3E}">
-        <p14:creationId xmlns:p14="http://schemas.microsoft.com/office/powerpoint/2010/main" val="193403947"/>
+        <p14:creationId xmlns:p14="http://schemas.microsoft.com/office/powerpoint/2010/main" xmlns="" val="193403947"/>
       </p:ext>
     </p:extLst>
   </p:cSld>
@@ -4455,9 +4442,1471 @@
   <p:timing>
     <p:tnLst>
       <p:par>
-        <p:cTn id="1" dur="indefinite" restart="never" nodeType="tmRoot"/>
+        <p:cTn id="1" dur="indefinite" restart="never" nodeType="tmRoot">
+          <p:childTnLst>
+            <p:seq concurrent="1" nextAc="seek">
+              <p:cTn id="2" dur="indefinite" nodeType="mainSeq">
+                <p:childTnLst>
+                  <p:par>
+                    <p:cTn id="3" fill="hold">
+                      <p:stCondLst>
+                        <p:cond delay="indefinite"/>
+                      </p:stCondLst>
+                      <p:childTnLst>
+                        <p:par>
+                          <p:cTn id="4" fill="hold">
+                            <p:stCondLst>
+                              <p:cond delay="0"/>
+                            </p:stCondLst>
+                            <p:childTnLst>
+                              <p:par>
+                                <p:cTn id="5" presetID="3" presetClass="entr" presetSubtype="10" fill="hold" nodeType="clickEffect">
+                                  <p:stCondLst>
+                                    <p:cond delay="0"/>
+                                  </p:stCondLst>
+                                  <p:childTnLst>
+                                    <p:set>
+                                      <p:cBhvr>
+                                        <p:cTn id="6" dur="1" fill="hold">
+                                          <p:stCondLst>
+                                            <p:cond delay="0"/>
+                                          </p:stCondLst>
+                                        </p:cTn>
+                                        <p:tgtEl>
+                                          <p:spTgt spid="29"/>
+                                        </p:tgtEl>
+                                        <p:attrNameLst>
+                                          <p:attrName>style.visibility</p:attrName>
+                                        </p:attrNameLst>
+                                      </p:cBhvr>
+                                      <p:to>
+                                        <p:strVal val="visible"/>
+                                      </p:to>
+                                    </p:set>
+                                    <p:animEffect transition="in" filter="blinds(horizontal)">
+                                      <p:cBhvr>
+                                        <p:cTn id="7" dur="500"/>
+                                        <p:tgtEl>
+                                          <p:spTgt spid="29"/>
+                                        </p:tgtEl>
+                                      </p:cBhvr>
+                                    </p:animEffect>
+                                  </p:childTnLst>
+                                </p:cTn>
+                              </p:par>
+                              <p:par>
+                                <p:cTn id="8" presetID="3" presetClass="entr" presetSubtype="10" fill="hold" nodeType="withEffect">
+                                  <p:stCondLst>
+                                    <p:cond delay="0"/>
+                                  </p:stCondLst>
+                                  <p:childTnLst>
+                                    <p:set>
+                                      <p:cBhvr>
+                                        <p:cTn id="9" dur="1" fill="hold">
+                                          <p:stCondLst>
+                                            <p:cond delay="0"/>
+                                          </p:stCondLst>
+                                        </p:cTn>
+                                        <p:tgtEl>
+                                          <p:spTgt spid="28"/>
+                                        </p:tgtEl>
+                                        <p:attrNameLst>
+                                          <p:attrName>style.visibility</p:attrName>
+                                        </p:attrNameLst>
+                                      </p:cBhvr>
+                                      <p:to>
+                                        <p:strVal val="visible"/>
+                                      </p:to>
+                                    </p:set>
+                                    <p:animEffect transition="in" filter="blinds(horizontal)">
+                                      <p:cBhvr>
+                                        <p:cTn id="10" dur="500"/>
+                                        <p:tgtEl>
+                                          <p:spTgt spid="28"/>
+                                        </p:tgtEl>
+                                      </p:cBhvr>
+                                    </p:animEffect>
+                                  </p:childTnLst>
+                                </p:cTn>
+                              </p:par>
+                              <p:par>
+                                <p:cTn id="11" presetID="3" presetClass="entr" presetSubtype="10" fill="hold" nodeType="withEffect">
+                                  <p:stCondLst>
+                                    <p:cond delay="0"/>
+                                  </p:stCondLst>
+                                  <p:childTnLst>
+                                    <p:set>
+                                      <p:cBhvr>
+                                        <p:cTn id="12" dur="1" fill="hold">
+                                          <p:stCondLst>
+                                            <p:cond delay="0"/>
+                                          </p:stCondLst>
+                                        </p:cTn>
+                                        <p:tgtEl>
+                                          <p:spTgt spid="30"/>
+                                        </p:tgtEl>
+                                        <p:attrNameLst>
+                                          <p:attrName>style.visibility</p:attrName>
+                                        </p:attrNameLst>
+                                      </p:cBhvr>
+                                      <p:to>
+                                        <p:strVal val="visible"/>
+                                      </p:to>
+                                    </p:set>
+                                    <p:animEffect transition="in" filter="blinds(horizontal)">
+                                      <p:cBhvr>
+                                        <p:cTn id="13" dur="500"/>
+                                        <p:tgtEl>
+                                          <p:spTgt spid="30"/>
+                                        </p:tgtEl>
+                                      </p:cBhvr>
+                                    </p:animEffect>
+                                  </p:childTnLst>
+                                </p:cTn>
+                              </p:par>
+                              <p:par>
+                                <p:cTn id="14" presetID="3" presetClass="entr" presetSubtype="10" fill="hold" grpId="0" nodeType="withEffect">
+                                  <p:stCondLst>
+                                    <p:cond delay="0"/>
+                                  </p:stCondLst>
+                                  <p:childTnLst>
+                                    <p:set>
+                                      <p:cBhvr>
+                                        <p:cTn id="15" dur="1" fill="hold">
+                                          <p:stCondLst>
+                                            <p:cond delay="0"/>
+                                          </p:stCondLst>
+                                        </p:cTn>
+                                        <p:tgtEl>
+                                          <p:spTgt spid="7"/>
+                                        </p:tgtEl>
+                                        <p:attrNameLst>
+                                          <p:attrName>style.visibility</p:attrName>
+                                        </p:attrNameLst>
+                                      </p:cBhvr>
+                                      <p:to>
+                                        <p:strVal val="visible"/>
+                                      </p:to>
+                                    </p:set>
+                                    <p:animEffect transition="in" filter="blinds(horizontal)">
+                                      <p:cBhvr>
+                                        <p:cTn id="16" dur="500"/>
+                                        <p:tgtEl>
+                                          <p:spTgt spid="7"/>
+                                        </p:tgtEl>
+                                      </p:cBhvr>
+                                    </p:animEffect>
+                                  </p:childTnLst>
+                                </p:cTn>
+                              </p:par>
+                              <p:par>
+                                <p:cTn id="17" presetID="3" presetClass="entr" presetSubtype="10" fill="hold" grpId="0" nodeType="withEffect">
+                                  <p:stCondLst>
+                                    <p:cond delay="0"/>
+                                  </p:stCondLst>
+                                  <p:childTnLst>
+                                    <p:set>
+                                      <p:cBhvr>
+                                        <p:cTn id="18" dur="1" fill="hold">
+                                          <p:stCondLst>
+                                            <p:cond delay="0"/>
+                                          </p:stCondLst>
+                                        </p:cTn>
+                                        <p:tgtEl>
+                                          <p:spTgt spid="6"/>
+                                        </p:tgtEl>
+                                        <p:attrNameLst>
+                                          <p:attrName>style.visibility</p:attrName>
+                                        </p:attrNameLst>
+                                      </p:cBhvr>
+                                      <p:to>
+                                        <p:strVal val="visible"/>
+                                      </p:to>
+                                    </p:set>
+                                    <p:animEffect transition="in" filter="blinds(horizontal)">
+                                      <p:cBhvr>
+                                        <p:cTn id="19" dur="500"/>
+                                        <p:tgtEl>
+                                          <p:spTgt spid="6"/>
+                                        </p:tgtEl>
+                                      </p:cBhvr>
+                                    </p:animEffect>
+                                  </p:childTnLst>
+                                </p:cTn>
+                              </p:par>
+                              <p:par>
+                                <p:cTn id="20" presetID="3" presetClass="entr" presetSubtype="10" fill="hold" grpId="0" nodeType="withEffect">
+                                  <p:stCondLst>
+                                    <p:cond delay="0"/>
+                                  </p:stCondLst>
+                                  <p:childTnLst>
+                                    <p:set>
+                                      <p:cBhvr>
+                                        <p:cTn id="21" dur="1" fill="hold">
+                                          <p:stCondLst>
+                                            <p:cond delay="0"/>
+                                          </p:stCondLst>
+                                        </p:cTn>
+                                        <p:tgtEl>
+                                          <p:spTgt spid="5"/>
+                                        </p:tgtEl>
+                                        <p:attrNameLst>
+                                          <p:attrName>style.visibility</p:attrName>
+                                        </p:attrNameLst>
+                                      </p:cBhvr>
+                                      <p:to>
+                                        <p:strVal val="visible"/>
+                                      </p:to>
+                                    </p:set>
+                                    <p:animEffect transition="in" filter="blinds(horizontal)">
+                                      <p:cBhvr>
+                                        <p:cTn id="22" dur="500"/>
+                                        <p:tgtEl>
+                                          <p:spTgt spid="5"/>
+                                        </p:tgtEl>
+                                      </p:cBhvr>
+                                    </p:animEffect>
+                                  </p:childTnLst>
+                                </p:cTn>
+                              </p:par>
+                            </p:childTnLst>
+                          </p:cTn>
+                        </p:par>
+                      </p:childTnLst>
+                    </p:cTn>
+                  </p:par>
+                  <p:par>
+                    <p:cTn id="23" fill="hold">
+                      <p:stCondLst>
+                        <p:cond delay="indefinite"/>
+                      </p:stCondLst>
+                      <p:childTnLst>
+                        <p:par>
+                          <p:cTn id="24" fill="hold">
+                            <p:stCondLst>
+                              <p:cond delay="0"/>
+                            </p:stCondLst>
+                            <p:childTnLst>
+                              <p:par>
+                                <p:cTn id="25" presetID="3" presetClass="entr" presetSubtype="10" fill="hold" nodeType="clickEffect">
+                                  <p:stCondLst>
+                                    <p:cond delay="0"/>
+                                  </p:stCondLst>
+                                  <p:childTnLst>
+                                    <p:set>
+                                      <p:cBhvr>
+                                        <p:cTn id="26" dur="1" fill="hold">
+                                          <p:stCondLst>
+                                            <p:cond delay="0"/>
+                                          </p:stCondLst>
+                                        </p:cTn>
+                                        <p:tgtEl>
+                                          <p:spTgt spid="37"/>
+                                        </p:tgtEl>
+                                        <p:attrNameLst>
+                                          <p:attrName>style.visibility</p:attrName>
+                                        </p:attrNameLst>
+                                      </p:cBhvr>
+                                      <p:to>
+                                        <p:strVal val="visible"/>
+                                      </p:to>
+                                    </p:set>
+                                    <p:animEffect transition="in" filter="blinds(horizontal)">
+                                      <p:cBhvr>
+                                        <p:cTn id="27" dur="500"/>
+                                        <p:tgtEl>
+                                          <p:spTgt spid="37"/>
+                                        </p:tgtEl>
+                                      </p:cBhvr>
+                                    </p:animEffect>
+                                  </p:childTnLst>
+                                </p:cTn>
+                              </p:par>
+                              <p:par>
+                                <p:cTn id="28" presetID="3" presetClass="entr" presetSubtype="10" fill="hold" nodeType="withEffect">
+                                  <p:stCondLst>
+                                    <p:cond delay="0"/>
+                                  </p:stCondLst>
+                                  <p:childTnLst>
+                                    <p:set>
+                                      <p:cBhvr>
+                                        <p:cTn id="29" dur="1" fill="hold">
+                                          <p:stCondLst>
+                                            <p:cond delay="0"/>
+                                          </p:stCondLst>
+                                        </p:cTn>
+                                        <p:tgtEl>
+                                          <p:spTgt spid="38"/>
+                                        </p:tgtEl>
+                                        <p:attrNameLst>
+                                          <p:attrName>style.visibility</p:attrName>
+                                        </p:attrNameLst>
+                                      </p:cBhvr>
+                                      <p:to>
+                                        <p:strVal val="visible"/>
+                                      </p:to>
+                                    </p:set>
+                                    <p:animEffect transition="in" filter="blinds(horizontal)">
+                                      <p:cBhvr>
+                                        <p:cTn id="30" dur="500"/>
+                                        <p:tgtEl>
+                                          <p:spTgt spid="38"/>
+                                        </p:tgtEl>
+                                      </p:cBhvr>
+                                    </p:animEffect>
+                                  </p:childTnLst>
+                                </p:cTn>
+                              </p:par>
+                              <p:par>
+                                <p:cTn id="31" presetID="3" presetClass="entr" presetSubtype="10" fill="hold" nodeType="withEffect">
+                                  <p:stCondLst>
+                                    <p:cond delay="0"/>
+                                  </p:stCondLst>
+                                  <p:childTnLst>
+                                    <p:set>
+                                      <p:cBhvr>
+                                        <p:cTn id="32" dur="1" fill="hold">
+                                          <p:stCondLst>
+                                            <p:cond delay="0"/>
+                                          </p:stCondLst>
+                                        </p:cTn>
+                                        <p:tgtEl>
+                                          <p:spTgt spid="36"/>
+                                        </p:tgtEl>
+                                        <p:attrNameLst>
+                                          <p:attrName>style.visibility</p:attrName>
+                                        </p:attrNameLst>
+                                      </p:cBhvr>
+                                      <p:to>
+                                        <p:strVal val="visible"/>
+                                      </p:to>
+                                    </p:set>
+                                    <p:animEffect transition="in" filter="blinds(horizontal)">
+                                      <p:cBhvr>
+                                        <p:cTn id="33" dur="500"/>
+                                        <p:tgtEl>
+                                          <p:spTgt spid="36"/>
+                                        </p:tgtEl>
+                                      </p:cBhvr>
+                                    </p:animEffect>
+                                  </p:childTnLst>
+                                </p:cTn>
+                              </p:par>
+                              <p:par>
+                                <p:cTn id="34" presetID="3" presetClass="entr" presetSubtype="10" fill="hold" nodeType="withEffect">
+                                  <p:stCondLst>
+                                    <p:cond delay="0"/>
+                                  </p:stCondLst>
+                                  <p:childTnLst>
+                                    <p:set>
+                                      <p:cBhvr>
+                                        <p:cTn id="35" dur="1" fill="hold">
+                                          <p:stCondLst>
+                                            <p:cond delay="0"/>
+                                          </p:stCondLst>
+                                        </p:cTn>
+                                        <p:tgtEl>
+                                          <p:spTgt spid="35"/>
+                                        </p:tgtEl>
+                                        <p:attrNameLst>
+                                          <p:attrName>style.visibility</p:attrName>
+                                        </p:attrNameLst>
+                                      </p:cBhvr>
+                                      <p:to>
+                                        <p:strVal val="visible"/>
+                                      </p:to>
+                                    </p:set>
+                                    <p:animEffect transition="in" filter="blinds(horizontal)">
+                                      <p:cBhvr>
+                                        <p:cTn id="36" dur="500"/>
+                                        <p:tgtEl>
+                                          <p:spTgt spid="35"/>
+                                        </p:tgtEl>
+                                      </p:cBhvr>
+                                    </p:animEffect>
+                                  </p:childTnLst>
+                                </p:cTn>
+                              </p:par>
+                              <p:par>
+                                <p:cTn id="37" presetID="3" presetClass="entr" presetSubtype="10" fill="hold" nodeType="withEffect">
+                                  <p:stCondLst>
+                                    <p:cond delay="0"/>
+                                  </p:stCondLst>
+                                  <p:childTnLst>
+                                    <p:set>
+                                      <p:cBhvr>
+                                        <p:cTn id="38" dur="1" fill="hold">
+                                          <p:stCondLst>
+                                            <p:cond delay="0"/>
+                                          </p:stCondLst>
+                                        </p:cTn>
+                                        <p:tgtEl>
+                                          <p:spTgt spid="50"/>
+                                        </p:tgtEl>
+                                        <p:attrNameLst>
+                                          <p:attrName>style.visibility</p:attrName>
+                                        </p:attrNameLst>
+                                      </p:cBhvr>
+                                      <p:to>
+                                        <p:strVal val="visible"/>
+                                      </p:to>
+                                    </p:set>
+                                    <p:animEffect transition="in" filter="blinds(horizontal)">
+                                      <p:cBhvr>
+                                        <p:cTn id="39" dur="500"/>
+                                        <p:tgtEl>
+                                          <p:spTgt spid="50"/>
+                                        </p:tgtEl>
+                                      </p:cBhvr>
+                                    </p:animEffect>
+                                  </p:childTnLst>
+                                </p:cTn>
+                              </p:par>
+                              <p:par>
+                                <p:cTn id="40" presetID="3" presetClass="entr" presetSubtype="10" fill="hold" nodeType="withEffect">
+                                  <p:stCondLst>
+                                    <p:cond delay="0"/>
+                                  </p:stCondLst>
+                                  <p:childTnLst>
+                                    <p:set>
+                                      <p:cBhvr>
+                                        <p:cTn id="41" dur="1" fill="hold">
+                                          <p:stCondLst>
+                                            <p:cond delay="0"/>
+                                          </p:stCondLst>
+                                        </p:cTn>
+                                        <p:tgtEl>
+                                          <p:spTgt spid="54"/>
+                                        </p:tgtEl>
+                                        <p:attrNameLst>
+                                          <p:attrName>style.visibility</p:attrName>
+                                        </p:attrNameLst>
+                                      </p:cBhvr>
+                                      <p:to>
+                                        <p:strVal val="visible"/>
+                                      </p:to>
+                                    </p:set>
+                                    <p:animEffect transition="in" filter="blinds(horizontal)">
+                                      <p:cBhvr>
+                                        <p:cTn id="42" dur="500"/>
+                                        <p:tgtEl>
+                                          <p:spTgt spid="54"/>
+                                        </p:tgtEl>
+                                      </p:cBhvr>
+                                    </p:animEffect>
+                                  </p:childTnLst>
+                                </p:cTn>
+                              </p:par>
+                              <p:par>
+                                <p:cTn id="43" presetID="3" presetClass="entr" presetSubtype="10" fill="hold" nodeType="withEffect">
+                                  <p:stCondLst>
+                                    <p:cond delay="0"/>
+                                  </p:stCondLst>
+                                  <p:childTnLst>
+                                    <p:set>
+                                      <p:cBhvr>
+                                        <p:cTn id="44" dur="1" fill="hold">
+                                          <p:stCondLst>
+                                            <p:cond delay="0"/>
+                                          </p:stCondLst>
+                                        </p:cTn>
+                                        <p:tgtEl>
+                                          <p:spTgt spid="53"/>
+                                        </p:tgtEl>
+                                        <p:attrNameLst>
+                                          <p:attrName>style.visibility</p:attrName>
+                                        </p:attrNameLst>
+                                      </p:cBhvr>
+                                      <p:to>
+                                        <p:strVal val="visible"/>
+                                      </p:to>
+                                    </p:set>
+                                    <p:animEffect transition="in" filter="blinds(horizontal)">
+                                      <p:cBhvr>
+                                        <p:cTn id="45" dur="500"/>
+                                        <p:tgtEl>
+                                          <p:spTgt spid="53"/>
+                                        </p:tgtEl>
+                                      </p:cBhvr>
+                                    </p:animEffect>
+                                  </p:childTnLst>
+                                </p:cTn>
+                              </p:par>
+                              <p:par>
+                                <p:cTn id="46" presetID="3" presetClass="entr" presetSubtype="10" fill="hold" grpId="0" nodeType="withEffect">
+                                  <p:stCondLst>
+                                    <p:cond delay="0"/>
+                                  </p:stCondLst>
+                                  <p:childTnLst>
+                                    <p:set>
+                                      <p:cBhvr>
+                                        <p:cTn id="47" dur="1" fill="hold">
+                                          <p:stCondLst>
+                                            <p:cond delay="0"/>
+                                          </p:stCondLst>
+                                        </p:cTn>
+                                        <p:tgtEl>
+                                          <p:spTgt spid="18"/>
+                                        </p:tgtEl>
+                                        <p:attrNameLst>
+                                          <p:attrName>style.visibility</p:attrName>
+                                        </p:attrNameLst>
+                                      </p:cBhvr>
+                                      <p:to>
+                                        <p:strVal val="visible"/>
+                                      </p:to>
+                                    </p:set>
+                                    <p:animEffect transition="in" filter="blinds(horizontal)">
+                                      <p:cBhvr>
+                                        <p:cTn id="48" dur="500"/>
+                                        <p:tgtEl>
+                                          <p:spTgt spid="18"/>
+                                        </p:tgtEl>
+                                      </p:cBhvr>
+                                    </p:animEffect>
+                                  </p:childTnLst>
+                                </p:cTn>
+                              </p:par>
+                              <p:par>
+                                <p:cTn id="49" presetID="3" presetClass="entr" presetSubtype="10" fill="hold" grpId="0" nodeType="withEffect">
+                                  <p:stCondLst>
+                                    <p:cond delay="0"/>
+                                  </p:stCondLst>
+                                  <p:childTnLst>
+                                    <p:set>
+                                      <p:cBhvr>
+                                        <p:cTn id="50" dur="1" fill="hold">
+                                          <p:stCondLst>
+                                            <p:cond delay="0"/>
+                                          </p:stCondLst>
+                                        </p:cTn>
+                                        <p:tgtEl>
+                                          <p:spTgt spid="19"/>
+                                        </p:tgtEl>
+                                        <p:attrNameLst>
+                                          <p:attrName>style.visibility</p:attrName>
+                                        </p:attrNameLst>
+                                      </p:cBhvr>
+                                      <p:to>
+                                        <p:strVal val="visible"/>
+                                      </p:to>
+                                    </p:set>
+                                    <p:animEffect transition="in" filter="blinds(horizontal)">
+                                      <p:cBhvr>
+                                        <p:cTn id="51" dur="500"/>
+                                        <p:tgtEl>
+                                          <p:spTgt spid="19"/>
+                                        </p:tgtEl>
+                                      </p:cBhvr>
+                                    </p:animEffect>
+                                  </p:childTnLst>
+                                </p:cTn>
+                              </p:par>
+                              <p:par>
+                                <p:cTn id="52" presetID="3" presetClass="entr" presetSubtype="10" fill="hold" grpId="0" nodeType="withEffect">
+                                  <p:stCondLst>
+                                    <p:cond delay="0"/>
+                                  </p:stCondLst>
+                                  <p:childTnLst>
+                                    <p:set>
+                                      <p:cBhvr>
+                                        <p:cTn id="53" dur="1" fill="hold">
+                                          <p:stCondLst>
+                                            <p:cond delay="0"/>
+                                          </p:stCondLst>
+                                        </p:cTn>
+                                        <p:tgtEl>
+                                          <p:spTgt spid="20"/>
+                                        </p:tgtEl>
+                                        <p:attrNameLst>
+                                          <p:attrName>style.visibility</p:attrName>
+                                        </p:attrNameLst>
+                                      </p:cBhvr>
+                                      <p:to>
+                                        <p:strVal val="visible"/>
+                                      </p:to>
+                                    </p:set>
+                                    <p:animEffect transition="in" filter="blinds(horizontal)">
+                                      <p:cBhvr>
+                                        <p:cTn id="54" dur="500"/>
+                                        <p:tgtEl>
+                                          <p:spTgt spid="20"/>
+                                        </p:tgtEl>
+                                      </p:cBhvr>
+                                    </p:animEffect>
+                                  </p:childTnLst>
+                                </p:cTn>
+                              </p:par>
+                              <p:par>
+                                <p:cTn id="55" presetID="3" presetClass="entr" presetSubtype="10" fill="hold" grpId="0" nodeType="withEffect">
+                                  <p:stCondLst>
+                                    <p:cond delay="0"/>
+                                  </p:stCondLst>
+                                  <p:childTnLst>
+                                    <p:set>
+                                      <p:cBhvr>
+                                        <p:cTn id="56" dur="1" fill="hold">
+                                          <p:stCondLst>
+                                            <p:cond delay="0"/>
+                                          </p:stCondLst>
+                                        </p:cTn>
+                                        <p:tgtEl>
+                                          <p:spTgt spid="14"/>
+                                        </p:tgtEl>
+                                        <p:attrNameLst>
+                                          <p:attrName>style.visibility</p:attrName>
+                                        </p:attrNameLst>
+                                      </p:cBhvr>
+                                      <p:to>
+                                        <p:strVal val="visible"/>
+                                      </p:to>
+                                    </p:set>
+                                    <p:animEffect transition="in" filter="blinds(horizontal)">
+                                      <p:cBhvr>
+                                        <p:cTn id="57" dur="500"/>
+                                        <p:tgtEl>
+                                          <p:spTgt spid="14"/>
+                                        </p:tgtEl>
+                                      </p:cBhvr>
+                                    </p:animEffect>
+                                  </p:childTnLst>
+                                </p:cTn>
+                              </p:par>
+                              <p:par>
+                                <p:cTn id="58" presetID="3" presetClass="entr" presetSubtype="10" fill="hold" grpId="0" nodeType="withEffect">
+                                  <p:stCondLst>
+                                    <p:cond delay="0"/>
+                                  </p:stCondLst>
+                                  <p:childTnLst>
+                                    <p:set>
+                                      <p:cBhvr>
+                                        <p:cTn id="59" dur="1" fill="hold">
+                                          <p:stCondLst>
+                                            <p:cond delay="0"/>
+                                          </p:stCondLst>
+                                        </p:cTn>
+                                        <p:tgtEl>
+                                          <p:spTgt spid="16"/>
+                                        </p:tgtEl>
+                                        <p:attrNameLst>
+                                          <p:attrName>style.visibility</p:attrName>
+                                        </p:attrNameLst>
+                                      </p:cBhvr>
+                                      <p:to>
+                                        <p:strVal val="visible"/>
+                                      </p:to>
+                                    </p:set>
+                                    <p:animEffect transition="in" filter="blinds(horizontal)">
+                                      <p:cBhvr>
+                                        <p:cTn id="60" dur="500"/>
+                                        <p:tgtEl>
+                                          <p:spTgt spid="16"/>
+                                        </p:tgtEl>
+                                      </p:cBhvr>
+                                    </p:animEffect>
+                                  </p:childTnLst>
+                                </p:cTn>
+                              </p:par>
+                              <p:par>
+                                <p:cTn id="61" presetID="3" presetClass="entr" presetSubtype="10" fill="hold" grpId="0" nodeType="withEffect">
+                                  <p:stCondLst>
+                                    <p:cond delay="0"/>
+                                  </p:stCondLst>
+                                  <p:childTnLst>
+                                    <p:set>
+                                      <p:cBhvr>
+                                        <p:cTn id="62" dur="1" fill="hold">
+                                          <p:stCondLst>
+                                            <p:cond delay="0"/>
+                                          </p:stCondLst>
+                                        </p:cTn>
+                                        <p:tgtEl>
+                                          <p:spTgt spid="21"/>
+                                        </p:tgtEl>
+                                        <p:attrNameLst>
+                                          <p:attrName>style.visibility</p:attrName>
+                                        </p:attrNameLst>
+                                      </p:cBhvr>
+                                      <p:to>
+                                        <p:strVal val="visible"/>
+                                      </p:to>
+                                    </p:set>
+                                    <p:animEffect transition="in" filter="blinds(horizontal)">
+                                      <p:cBhvr>
+                                        <p:cTn id="63" dur="500"/>
+                                        <p:tgtEl>
+                                          <p:spTgt spid="21"/>
+                                        </p:tgtEl>
+                                      </p:cBhvr>
+                                    </p:animEffect>
+                                  </p:childTnLst>
+                                </p:cTn>
+                              </p:par>
+                              <p:par>
+                                <p:cTn id="64" presetID="3" presetClass="entr" presetSubtype="10" fill="hold" grpId="0" nodeType="withEffect">
+                                  <p:stCondLst>
+                                    <p:cond delay="0"/>
+                                  </p:stCondLst>
+                                  <p:childTnLst>
+                                    <p:set>
+                                      <p:cBhvr>
+                                        <p:cTn id="65" dur="1" fill="hold">
+                                          <p:stCondLst>
+                                            <p:cond delay="0"/>
+                                          </p:stCondLst>
+                                        </p:cTn>
+                                        <p:tgtEl>
+                                          <p:spTgt spid="22"/>
+                                        </p:tgtEl>
+                                        <p:attrNameLst>
+                                          <p:attrName>style.visibility</p:attrName>
+                                        </p:attrNameLst>
+                                      </p:cBhvr>
+                                      <p:to>
+                                        <p:strVal val="visible"/>
+                                      </p:to>
+                                    </p:set>
+                                    <p:animEffect transition="in" filter="blinds(horizontal)">
+                                      <p:cBhvr>
+                                        <p:cTn id="66" dur="500"/>
+                                        <p:tgtEl>
+                                          <p:spTgt spid="22"/>
+                                        </p:tgtEl>
+                                      </p:cBhvr>
+                                    </p:animEffect>
+                                  </p:childTnLst>
+                                </p:cTn>
+                              </p:par>
+                              <p:par>
+                                <p:cTn id="67" presetID="3" presetClass="entr" presetSubtype="10" fill="hold" grpId="0" nodeType="withEffect">
+                                  <p:stCondLst>
+                                    <p:cond delay="0"/>
+                                  </p:stCondLst>
+                                  <p:childTnLst>
+                                    <p:set>
+                                      <p:cBhvr>
+                                        <p:cTn id="68" dur="1" fill="hold">
+                                          <p:stCondLst>
+                                            <p:cond delay="0"/>
+                                          </p:stCondLst>
+                                        </p:cTn>
+                                        <p:tgtEl>
+                                          <p:spTgt spid="23"/>
+                                        </p:tgtEl>
+                                        <p:attrNameLst>
+                                          <p:attrName>style.visibility</p:attrName>
+                                        </p:attrNameLst>
+                                      </p:cBhvr>
+                                      <p:to>
+                                        <p:strVal val="visible"/>
+                                      </p:to>
+                                    </p:set>
+                                    <p:animEffect transition="in" filter="blinds(horizontal)">
+                                      <p:cBhvr>
+                                        <p:cTn id="69" dur="500"/>
+                                        <p:tgtEl>
+                                          <p:spTgt spid="23"/>
+                                        </p:tgtEl>
+                                      </p:cBhvr>
+                                    </p:animEffect>
+                                  </p:childTnLst>
+                                </p:cTn>
+                              </p:par>
+                              <p:par>
+                                <p:cTn id="70" presetID="3" presetClass="entr" presetSubtype="10" fill="hold" nodeType="withEffect">
+                                  <p:stCondLst>
+                                    <p:cond delay="0"/>
+                                  </p:stCondLst>
+                                  <p:childTnLst>
+                                    <p:set>
+                                      <p:cBhvr>
+                                        <p:cTn id="71" dur="1" fill="hold">
+                                          <p:stCondLst>
+                                            <p:cond delay="0"/>
+                                          </p:stCondLst>
+                                        </p:cTn>
+                                        <p:tgtEl>
+                                          <p:spTgt spid="55"/>
+                                        </p:tgtEl>
+                                        <p:attrNameLst>
+                                          <p:attrName>style.visibility</p:attrName>
+                                        </p:attrNameLst>
+                                      </p:cBhvr>
+                                      <p:to>
+                                        <p:strVal val="visible"/>
+                                      </p:to>
+                                    </p:set>
+                                    <p:animEffect transition="in" filter="blinds(horizontal)">
+                                      <p:cBhvr>
+                                        <p:cTn id="72" dur="500"/>
+                                        <p:tgtEl>
+                                          <p:spTgt spid="55"/>
+                                        </p:tgtEl>
+                                      </p:cBhvr>
+                                    </p:animEffect>
+                                  </p:childTnLst>
+                                </p:cTn>
+                              </p:par>
+                              <p:par>
+                                <p:cTn id="73" presetID="3" presetClass="entr" presetSubtype="10" fill="hold" grpId="0" nodeType="withEffect">
+                                  <p:stCondLst>
+                                    <p:cond delay="0"/>
+                                  </p:stCondLst>
+                                  <p:childTnLst>
+                                    <p:set>
+                                      <p:cBhvr>
+                                        <p:cTn id="74" dur="1" fill="hold">
+                                          <p:stCondLst>
+                                            <p:cond delay="0"/>
+                                          </p:stCondLst>
+                                        </p:cTn>
+                                        <p:tgtEl>
+                                          <p:spTgt spid="10"/>
+                                        </p:tgtEl>
+                                        <p:attrNameLst>
+                                          <p:attrName>style.visibility</p:attrName>
+                                        </p:attrNameLst>
+                                      </p:cBhvr>
+                                      <p:to>
+                                        <p:strVal val="visible"/>
+                                      </p:to>
+                                    </p:set>
+                                    <p:animEffect transition="in" filter="blinds(horizontal)">
+                                      <p:cBhvr>
+                                        <p:cTn id="75" dur="500"/>
+                                        <p:tgtEl>
+                                          <p:spTgt spid="10"/>
+                                        </p:tgtEl>
+                                      </p:cBhvr>
+                                    </p:animEffect>
+                                  </p:childTnLst>
+                                </p:cTn>
+                              </p:par>
+                              <p:par>
+                                <p:cTn id="76" presetID="3" presetClass="entr" presetSubtype="10" fill="hold" nodeType="withEffect">
+                                  <p:stCondLst>
+                                    <p:cond delay="0"/>
+                                  </p:stCondLst>
+                                  <p:childTnLst>
+                                    <p:set>
+                                      <p:cBhvr>
+                                        <p:cTn id="77" dur="1" fill="hold">
+                                          <p:stCondLst>
+                                            <p:cond delay="0"/>
+                                          </p:stCondLst>
+                                        </p:cTn>
+                                        <p:tgtEl>
+                                          <p:spTgt spid="47"/>
+                                        </p:tgtEl>
+                                        <p:attrNameLst>
+                                          <p:attrName>style.visibility</p:attrName>
+                                        </p:attrNameLst>
+                                      </p:cBhvr>
+                                      <p:to>
+                                        <p:strVal val="visible"/>
+                                      </p:to>
+                                    </p:set>
+                                    <p:animEffect transition="in" filter="blinds(horizontal)">
+                                      <p:cBhvr>
+                                        <p:cTn id="78" dur="500"/>
+                                        <p:tgtEl>
+                                          <p:spTgt spid="47"/>
+                                        </p:tgtEl>
+                                      </p:cBhvr>
+                                    </p:animEffect>
+                                  </p:childTnLst>
+                                </p:cTn>
+                              </p:par>
+                            </p:childTnLst>
+                          </p:cTn>
+                        </p:par>
+                      </p:childTnLst>
+                    </p:cTn>
+                  </p:par>
+                  <p:par>
+                    <p:cTn id="79" fill="hold">
+                      <p:stCondLst>
+                        <p:cond delay="indefinite"/>
+                      </p:stCondLst>
+                      <p:childTnLst>
+                        <p:par>
+                          <p:cTn id="80" fill="hold">
+                            <p:stCondLst>
+                              <p:cond delay="0"/>
+                            </p:stCondLst>
+                            <p:childTnLst>
+                              <p:par>
+                                <p:cTn id="81" presetID="3" presetClass="entr" presetSubtype="10" fill="hold" nodeType="clickEffect">
+                                  <p:stCondLst>
+                                    <p:cond delay="0"/>
+                                  </p:stCondLst>
+                                  <p:childTnLst>
+                                    <p:set>
+                                      <p:cBhvr>
+                                        <p:cTn id="82" dur="1" fill="hold">
+                                          <p:stCondLst>
+                                            <p:cond delay="0"/>
+                                          </p:stCondLst>
+                                        </p:cTn>
+                                        <p:tgtEl>
+                                          <p:spTgt spid="63"/>
+                                        </p:tgtEl>
+                                        <p:attrNameLst>
+                                          <p:attrName>style.visibility</p:attrName>
+                                        </p:attrNameLst>
+                                      </p:cBhvr>
+                                      <p:to>
+                                        <p:strVal val="visible"/>
+                                      </p:to>
+                                    </p:set>
+                                    <p:animEffect transition="in" filter="blinds(horizontal)">
+                                      <p:cBhvr>
+                                        <p:cTn id="83" dur="500"/>
+                                        <p:tgtEl>
+                                          <p:spTgt spid="63"/>
+                                        </p:tgtEl>
+                                      </p:cBhvr>
+                                    </p:animEffect>
+                                  </p:childTnLst>
+                                </p:cTn>
+                              </p:par>
+                              <p:par>
+                                <p:cTn id="84" presetID="3" presetClass="entr" presetSubtype="10" fill="hold" grpId="0" nodeType="withEffect">
+                                  <p:stCondLst>
+                                    <p:cond delay="0"/>
+                                  </p:stCondLst>
+                                  <p:childTnLst>
+                                    <p:set>
+                                      <p:cBhvr>
+                                        <p:cTn id="85" dur="1" fill="hold">
+                                          <p:stCondLst>
+                                            <p:cond delay="0"/>
+                                          </p:stCondLst>
+                                        </p:cTn>
+                                        <p:tgtEl>
+                                          <p:spTgt spid="24"/>
+                                        </p:tgtEl>
+                                        <p:attrNameLst>
+                                          <p:attrName>style.visibility</p:attrName>
+                                        </p:attrNameLst>
+                                      </p:cBhvr>
+                                      <p:to>
+                                        <p:strVal val="visible"/>
+                                      </p:to>
+                                    </p:set>
+                                    <p:animEffect transition="in" filter="blinds(horizontal)">
+                                      <p:cBhvr>
+                                        <p:cTn id="86" dur="500"/>
+                                        <p:tgtEl>
+                                          <p:spTgt spid="24"/>
+                                        </p:tgtEl>
+                                      </p:cBhvr>
+                                    </p:animEffect>
+                                  </p:childTnLst>
+                                </p:cTn>
+                              </p:par>
+                              <p:par>
+                                <p:cTn id="87" presetID="3" presetClass="entr" presetSubtype="10" fill="hold" nodeType="withEffect">
+                                  <p:stCondLst>
+                                    <p:cond delay="0"/>
+                                  </p:stCondLst>
+                                  <p:childTnLst>
+                                    <p:set>
+                                      <p:cBhvr>
+                                        <p:cTn id="88" dur="1" fill="hold">
+                                          <p:stCondLst>
+                                            <p:cond delay="0"/>
+                                          </p:stCondLst>
+                                        </p:cTn>
+                                        <p:tgtEl>
+                                          <p:spTgt spid="64"/>
+                                        </p:tgtEl>
+                                        <p:attrNameLst>
+                                          <p:attrName>style.visibility</p:attrName>
+                                        </p:attrNameLst>
+                                      </p:cBhvr>
+                                      <p:to>
+                                        <p:strVal val="visible"/>
+                                      </p:to>
+                                    </p:set>
+                                    <p:animEffect transition="in" filter="blinds(horizontal)">
+                                      <p:cBhvr>
+                                        <p:cTn id="89" dur="500"/>
+                                        <p:tgtEl>
+                                          <p:spTgt spid="64"/>
+                                        </p:tgtEl>
+                                      </p:cBhvr>
+                                    </p:animEffect>
+                                  </p:childTnLst>
+                                </p:cTn>
+                              </p:par>
+                              <p:par>
+                                <p:cTn id="90" presetID="3" presetClass="entr" presetSubtype="10" fill="hold" grpId="0" nodeType="withEffect">
+                                  <p:stCondLst>
+                                    <p:cond delay="0"/>
+                                  </p:stCondLst>
+                                  <p:childTnLst>
+                                    <p:set>
+                                      <p:cBhvr>
+                                        <p:cTn id="91" dur="1" fill="hold">
+                                          <p:stCondLst>
+                                            <p:cond delay="0"/>
+                                          </p:stCondLst>
+                                        </p:cTn>
+                                        <p:tgtEl>
+                                          <p:spTgt spid="25"/>
+                                        </p:tgtEl>
+                                        <p:attrNameLst>
+                                          <p:attrName>style.visibility</p:attrName>
+                                        </p:attrNameLst>
+                                      </p:cBhvr>
+                                      <p:to>
+                                        <p:strVal val="visible"/>
+                                      </p:to>
+                                    </p:set>
+                                    <p:animEffect transition="in" filter="blinds(horizontal)">
+                                      <p:cBhvr>
+                                        <p:cTn id="92" dur="500"/>
+                                        <p:tgtEl>
+                                          <p:spTgt spid="25"/>
+                                        </p:tgtEl>
+                                      </p:cBhvr>
+                                    </p:animEffect>
+                                  </p:childTnLst>
+                                </p:cTn>
+                              </p:par>
+                              <p:par>
+                                <p:cTn id="93" presetID="3" presetClass="entr" presetSubtype="10" fill="hold" nodeType="withEffect">
+                                  <p:stCondLst>
+                                    <p:cond delay="0"/>
+                                  </p:stCondLst>
+                                  <p:childTnLst>
+                                    <p:set>
+                                      <p:cBhvr>
+                                        <p:cTn id="94" dur="1" fill="hold">
+                                          <p:stCondLst>
+                                            <p:cond delay="0"/>
+                                          </p:stCondLst>
+                                        </p:cTn>
+                                        <p:tgtEl>
+                                          <p:spTgt spid="62"/>
+                                        </p:tgtEl>
+                                        <p:attrNameLst>
+                                          <p:attrName>style.visibility</p:attrName>
+                                        </p:attrNameLst>
+                                      </p:cBhvr>
+                                      <p:to>
+                                        <p:strVal val="visible"/>
+                                      </p:to>
+                                    </p:set>
+                                    <p:animEffect transition="in" filter="blinds(horizontal)">
+                                      <p:cBhvr>
+                                        <p:cTn id="95" dur="500"/>
+                                        <p:tgtEl>
+                                          <p:spTgt spid="62"/>
+                                        </p:tgtEl>
+                                      </p:cBhvr>
+                                    </p:animEffect>
+                                  </p:childTnLst>
+                                </p:cTn>
+                              </p:par>
+                              <p:par>
+                                <p:cTn id="96" presetID="3" presetClass="entr" presetSubtype="10" fill="hold" grpId="0" nodeType="withEffect">
+                                  <p:stCondLst>
+                                    <p:cond delay="0"/>
+                                  </p:stCondLst>
+                                  <p:childTnLst>
+                                    <p:set>
+                                      <p:cBhvr>
+                                        <p:cTn id="97" dur="1" fill="hold">
+                                          <p:stCondLst>
+                                            <p:cond delay="0"/>
+                                          </p:stCondLst>
+                                        </p:cTn>
+                                        <p:tgtEl>
+                                          <p:spTgt spid="26"/>
+                                        </p:tgtEl>
+                                        <p:attrNameLst>
+                                          <p:attrName>style.visibility</p:attrName>
+                                        </p:attrNameLst>
+                                      </p:cBhvr>
+                                      <p:to>
+                                        <p:strVal val="visible"/>
+                                      </p:to>
+                                    </p:set>
+                                    <p:animEffect transition="in" filter="blinds(horizontal)">
+                                      <p:cBhvr>
+                                        <p:cTn id="98" dur="500"/>
+                                        <p:tgtEl>
+                                          <p:spTgt spid="26"/>
+                                        </p:tgtEl>
+                                      </p:cBhvr>
+                                    </p:animEffect>
+                                  </p:childTnLst>
+                                </p:cTn>
+                              </p:par>
+                            </p:childTnLst>
+                          </p:cTn>
+                        </p:par>
+                      </p:childTnLst>
+                    </p:cTn>
+                  </p:par>
+                  <p:par>
+                    <p:cTn id="99" fill="hold">
+                      <p:stCondLst>
+                        <p:cond delay="indefinite"/>
+                      </p:stCondLst>
+                      <p:childTnLst>
+                        <p:par>
+                          <p:cTn id="100" fill="hold">
+                            <p:stCondLst>
+                              <p:cond delay="0"/>
+                            </p:stCondLst>
+                            <p:childTnLst>
+                              <p:par>
+                                <p:cTn id="101" presetID="3" presetClass="entr" presetSubtype="10" fill="hold" nodeType="clickEffect">
+                                  <p:stCondLst>
+                                    <p:cond delay="0"/>
+                                  </p:stCondLst>
+                                  <p:childTnLst>
+                                    <p:set>
+                                      <p:cBhvr>
+                                        <p:cTn id="102" dur="1" fill="hold">
+                                          <p:stCondLst>
+                                            <p:cond delay="0"/>
+                                          </p:stCondLst>
+                                        </p:cTn>
+                                        <p:tgtEl>
+                                          <p:spTgt spid="82"/>
+                                        </p:tgtEl>
+                                        <p:attrNameLst>
+                                          <p:attrName>style.visibility</p:attrName>
+                                        </p:attrNameLst>
+                                      </p:cBhvr>
+                                      <p:to>
+                                        <p:strVal val="visible"/>
+                                      </p:to>
+                                    </p:set>
+                                    <p:animEffect transition="in" filter="blinds(horizontal)">
+                                      <p:cBhvr>
+                                        <p:cTn id="103" dur="500"/>
+                                        <p:tgtEl>
+                                          <p:spTgt spid="82"/>
+                                        </p:tgtEl>
+                                      </p:cBhvr>
+                                    </p:animEffect>
+                                  </p:childTnLst>
+                                </p:cTn>
+                              </p:par>
+                              <p:par>
+                                <p:cTn id="104" presetID="3" presetClass="entr" presetSubtype="10" fill="hold" nodeType="withEffect">
+                                  <p:stCondLst>
+                                    <p:cond delay="0"/>
+                                  </p:stCondLst>
+                                  <p:childTnLst>
+                                    <p:set>
+                                      <p:cBhvr>
+                                        <p:cTn id="105" dur="1" fill="hold">
+                                          <p:stCondLst>
+                                            <p:cond delay="0"/>
+                                          </p:stCondLst>
+                                        </p:cTn>
+                                        <p:tgtEl>
+                                          <p:spTgt spid="84"/>
+                                        </p:tgtEl>
+                                        <p:attrNameLst>
+                                          <p:attrName>style.visibility</p:attrName>
+                                        </p:attrNameLst>
+                                      </p:cBhvr>
+                                      <p:to>
+                                        <p:strVal val="visible"/>
+                                      </p:to>
+                                    </p:set>
+                                    <p:animEffect transition="in" filter="blinds(horizontal)">
+                                      <p:cBhvr>
+                                        <p:cTn id="106" dur="500"/>
+                                        <p:tgtEl>
+                                          <p:spTgt spid="84"/>
+                                        </p:tgtEl>
+                                      </p:cBhvr>
+                                    </p:animEffect>
+                                  </p:childTnLst>
+                                </p:cTn>
+                              </p:par>
+                              <p:par>
+                                <p:cTn id="107" presetID="3" presetClass="entr" presetSubtype="10" fill="hold" nodeType="withEffect">
+                                  <p:stCondLst>
+                                    <p:cond delay="0"/>
+                                  </p:stCondLst>
+                                  <p:childTnLst>
+                                    <p:set>
+                                      <p:cBhvr>
+                                        <p:cTn id="108" dur="1" fill="hold">
+                                          <p:stCondLst>
+                                            <p:cond delay="0"/>
+                                          </p:stCondLst>
+                                        </p:cTn>
+                                        <p:tgtEl>
+                                          <p:spTgt spid="86"/>
+                                        </p:tgtEl>
+                                        <p:attrNameLst>
+                                          <p:attrName>style.visibility</p:attrName>
+                                        </p:attrNameLst>
+                                      </p:cBhvr>
+                                      <p:to>
+                                        <p:strVal val="visible"/>
+                                      </p:to>
+                                    </p:set>
+                                    <p:animEffect transition="in" filter="blinds(horizontal)">
+                                      <p:cBhvr>
+                                        <p:cTn id="109" dur="500"/>
+                                        <p:tgtEl>
+                                          <p:spTgt spid="86"/>
+                                        </p:tgtEl>
+                                      </p:cBhvr>
+                                    </p:animEffect>
+                                  </p:childTnLst>
+                                </p:cTn>
+                              </p:par>
+                              <p:par>
+                                <p:cTn id="110" presetID="3" presetClass="entr" presetSubtype="10" fill="hold" grpId="0" nodeType="withEffect">
+                                  <p:stCondLst>
+                                    <p:cond delay="0"/>
+                                  </p:stCondLst>
+                                  <p:childTnLst>
+                                    <p:set>
+                                      <p:cBhvr>
+                                        <p:cTn id="111" dur="1" fill="hold">
+                                          <p:stCondLst>
+                                            <p:cond delay="0"/>
+                                          </p:stCondLst>
+                                        </p:cTn>
+                                        <p:tgtEl>
+                                          <p:spTgt spid="75"/>
+                                        </p:tgtEl>
+                                        <p:attrNameLst>
+                                          <p:attrName>style.visibility</p:attrName>
+                                        </p:attrNameLst>
+                                      </p:cBhvr>
+                                      <p:to>
+                                        <p:strVal val="visible"/>
+                                      </p:to>
+                                    </p:set>
+                                    <p:animEffect transition="in" filter="blinds(horizontal)">
+                                      <p:cBhvr>
+                                        <p:cTn id="112" dur="500"/>
+                                        <p:tgtEl>
+                                          <p:spTgt spid="75"/>
+                                        </p:tgtEl>
+                                      </p:cBhvr>
+                                    </p:animEffect>
+                                  </p:childTnLst>
+                                </p:cTn>
+                              </p:par>
+                            </p:childTnLst>
+                          </p:cTn>
+                        </p:par>
+                      </p:childTnLst>
+                    </p:cTn>
+                  </p:par>
+                  <p:par>
+                    <p:cTn id="113" fill="hold">
+                      <p:stCondLst>
+                        <p:cond delay="indefinite"/>
+                      </p:stCondLst>
+                      <p:childTnLst>
+                        <p:par>
+                          <p:cTn id="114" fill="hold">
+                            <p:stCondLst>
+                              <p:cond delay="0"/>
+                            </p:stCondLst>
+                            <p:childTnLst>
+                              <p:par>
+                                <p:cTn id="115" presetID="3" presetClass="entr" presetSubtype="10" fill="hold" nodeType="clickEffect">
+                                  <p:stCondLst>
+                                    <p:cond delay="0"/>
+                                  </p:stCondLst>
+                                  <p:childTnLst>
+                                    <p:set>
+                                      <p:cBhvr>
+                                        <p:cTn id="116" dur="1" fill="hold">
+                                          <p:stCondLst>
+                                            <p:cond delay="0"/>
+                                          </p:stCondLst>
+                                        </p:cTn>
+                                        <p:tgtEl>
+                                          <p:spTgt spid="88"/>
+                                        </p:tgtEl>
+                                        <p:attrNameLst>
+                                          <p:attrName>style.visibility</p:attrName>
+                                        </p:attrNameLst>
+                                      </p:cBhvr>
+                                      <p:to>
+                                        <p:strVal val="visible"/>
+                                      </p:to>
+                                    </p:set>
+                                    <p:animEffect transition="in" filter="blinds(horizontal)">
+                                      <p:cBhvr>
+                                        <p:cTn id="117" dur="500"/>
+                                        <p:tgtEl>
+                                          <p:spTgt spid="88"/>
+                                        </p:tgtEl>
+                                      </p:cBhvr>
+                                    </p:animEffect>
+                                  </p:childTnLst>
+                                </p:cTn>
+                              </p:par>
+                              <p:par>
+                                <p:cTn id="118" presetID="3" presetClass="entr" presetSubtype="10" fill="hold" nodeType="withEffect">
+                                  <p:stCondLst>
+                                    <p:cond delay="0"/>
+                                  </p:stCondLst>
+                                  <p:childTnLst>
+                                    <p:set>
+                                      <p:cBhvr>
+                                        <p:cTn id="119" dur="1" fill="hold">
+                                          <p:stCondLst>
+                                            <p:cond delay="0"/>
+                                          </p:stCondLst>
+                                        </p:cTn>
+                                        <p:tgtEl>
+                                          <p:spTgt spid="106"/>
+                                        </p:tgtEl>
+                                        <p:attrNameLst>
+                                          <p:attrName>style.visibility</p:attrName>
+                                        </p:attrNameLst>
+                                      </p:cBhvr>
+                                      <p:to>
+                                        <p:strVal val="visible"/>
+                                      </p:to>
+                                    </p:set>
+                                    <p:animEffect transition="in" filter="blinds(horizontal)">
+                                      <p:cBhvr>
+                                        <p:cTn id="120" dur="500"/>
+                                        <p:tgtEl>
+                                          <p:spTgt spid="106"/>
+                                        </p:tgtEl>
+                                      </p:cBhvr>
+                                    </p:animEffect>
+                                  </p:childTnLst>
+                                </p:cTn>
+                              </p:par>
+                              <p:par>
+                                <p:cTn id="121" presetID="3" presetClass="entr" presetSubtype="10" fill="hold" nodeType="withEffect">
+                                  <p:stCondLst>
+                                    <p:cond delay="0"/>
+                                  </p:stCondLst>
+                                  <p:childTnLst>
+                                    <p:set>
+                                      <p:cBhvr>
+                                        <p:cTn id="122" dur="1" fill="hold">
+                                          <p:stCondLst>
+                                            <p:cond delay="0"/>
+                                          </p:stCondLst>
+                                        </p:cTn>
+                                        <p:tgtEl>
+                                          <p:spTgt spid="93"/>
+                                        </p:tgtEl>
+                                        <p:attrNameLst>
+                                          <p:attrName>style.visibility</p:attrName>
+                                        </p:attrNameLst>
+                                      </p:cBhvr>
+                                      <p:to>
+                                        <p:strVal val="visible"/>
+                                      </p:to>
+                                    </p:set>
+                                    <p:animEffect transition="in" filter="blinds(horizontal)">
+                                      <p:cBhvr>
+                                        <p:cTn id="123" dur="500"/>
+                                        <p:tgtEl>
+                                          <p:spTgt spid="93"/>
+                                        </p:tgtEl>
+                                      </p:cBhvr>
+                                    </p:animEffect>
+                                  </p:childTnLst>
+                                </p:cTn>
+                              </p:par>
+                              <p:par>
+                                <p:cTn id="124" presetID="3" presetClass="entr" presetSubtype="10" fill="hold" grpId="0" nodeType="withEffect">
+                                  <p:stCondLst>
+                                    <p:cond delay="0"/>
+                                  </p:stCondLst>
+                                  <p:childTnLst>
+                                    <p:set>
+                                      <p:cBhvr>
+                                        <p:cTn id="125" dur="1" fill="hold">
+                                          <p:stCondLst>
+                                            <p:cond delay="0"/>
+                                          </p:stCondLst>
+                                        </p:cTn>
+                                        <p:tgtEl>
+                                          <p:spTgt spid="76"/>
+                                        </p:tgtEl>
+                                        <p:attrNameLst>
+                                          <p:attrName>style.visibility</p:attrName>
+                                        </p:attrNameLst>
+                                      </p:cBhvr>
+                                      <p:to>
+                                        <p:strVal val="visible"/>
+                                      </p:to>
+                                    </p:set>
+                                    <p:animEffect transition="in" filter="blinds(horizontal)">
+                                      <p:cBhvr>
+                                        <p:cTn id="126" dur="500"/>
+                                        <p:tgtEl>
+                                          <p:spTgt spid="76"/>
+                                        </p:tgtEl>
+                                      </p:cBhvr>
+                                    </p:animEffect>
+                                  </p:childTnLst>
+                                </p:cTn>
+                              </p:par>
+                            </p:childTnLst>
+                          </p:cTn>
+                        </p:par>
+                      </p:childTnLst>
+                    </p:cTn>
+                  </p:par>
+                </p:childTnLst>
+              </p:cTn>
+              <p:prevCondLst>
+                <p:cond evt="onPrev" delay="0">
+                  <p:tgtEl>
+                    <p:sldTgt/>
+                  </p:tgtEl>
+                </p:cond>
+              </p:prevCondLst>
+              <p:nextCondLst>
+                <p:cond evt="onNext" delay="0">
+                  <p:tgtEl>
+                    <p:sldTgt/>
+                  </p:tgtEl>
+                </p:cond>
+              </p:nextCondLst>
+            </p:seq>
+          </p:childTnLst>
+        </p:cTn>
       </p:par>
     </p:tnLst>
+    <p:bldLst>
+      <p:bldP spid="5" grpId="0" animBg="1"/>
+      <p:bldP spid="6" grpId="0" animBg="1"/>
+      <p:bldP spid="7" grpId="0" animBg="1"/>
+      <p:bldP spid="10" grpId="0" animBg="1"/>
+      <p:bldP spid="14" grpId="0" animBg="1"/>
+      <p:bldP spid="16" grpId="0" animBg="1"/>
+      <p:bldP spid="18" grpId="0" animBg="1"/>
+      <p:bldP spid="19" grpId="0" animBg="1"/>
+      <p:bldP spid="20" grpId="0" animBg="1"/>
+      <p:bldP spid="21" grpId="0" animBg="1"/>
+      <p:bldP spid="22" grpId="0" animBg="1"/>
+      <p:bldP spid="23" grpId="0" animBg="1"/>
+      <p:bldP spid="24" grpId="0" animBg="1"/>
+      <p:bldP spid="25" grpId="0" animBg="1"/>
+      <p:bldP spid="26" grpId="0" animBg="1"/>
+      <p:bldP spid="75" grpId="0" animBg="1"/>
+      <p:bldP spid="76" grpId="0" animBg="1"/>
+    </p:bldLst>
   </p:timing>
 </p:sld>
 </file>
@@ -4932,7 +6381,7 @@
           <p:nvPr>
             <p:extLst>
               <p:ext uri="{D42A27DB-BD31-4B8C-83A1-F6EECF244321}">
-                <p14:modId xmlns:p14="http://schemas.microsoft.com/office/powerpoint/2010/main" val="1673191443"/>
+                <p14:modId xmlns:p14="http://schemas.microsoft.com/office/powerpoint/2010/main" xmlns="" val="1673191443"/>
               </p:ext>
             </p:extLst>
           </p:nvPr>
@@ -5180,7 +6629,7 @@
           <p:nvPr>
             <p:extLst>
               <p:ext uri="{D42A27DB-BD31-4B8C-83A1-F6EECF244321}">
-                <p14:modId xmlns:p14="http://schemas.microsoft.com/office/powerpoint/2010/main" val="166093269"/>
+                <p14:modId xmlns:p14="http://schemas.microsoft.com/office/powerpoint/2010/main" xmlns="" val="166093269"/>
               </p:ext>
             </p:extLst>
           </p:nvPr>
@@ -5854,7 +7303,7 @@
           <p:nvPr>
             <p:extLst>
               <p:ext uri="{D42A27DB-BD31-4B8C-83A1-F6EECF244321}">
-                <p14:modId xmlns:p14="http://schemas.microsoft.com/office/powerpoint/2010/main" val="2961457962"/>
+                <p14:modId xmlns:p14="http://schemas.microsoft.com/office/powerpoint/2010/main" xmlns="" val="2961457962"/>
               </p:ext>
             </p:extLst>
           </p:nvPr>
@@ -6250,7 +7699,7 @@
     </p:spTree>
     <p:extLst>
       <p:ext uri="{BB962C8B-B14F-4D97-AF65-F5344CB8AC3E}">
-        <p14:creationId xmlns:p14="http://schemas.microsoft.com/office/powerpoint/2010/main" val="503078564"/>
+        <p14:creationId xmlns:p14="http://schemas.microsoft.com/office/powerpoint/2010/main" xmlns="" val="503078564"/>
       </p:ext>
     </p:extLst>
   </p:cSld>
@@ -6260,10 +7709,1103 @@
   <p:timing>
     <p:tnLst>
       <p:par>
-        <p:cTn id="1" dur="indefinite" restart="never" nodeType="tmRoot"/>
+        <p:cTn id="1" dur="indefinite" restart="never" nodeType="tmRoot">
+          <p:childTnLst>
+            <p:seq concurrent="1" nextAc="seek">
+              <p:cTn id="2" dur="indefinite" nodeType="mainSeq">
+                <p:childTnLst>
+                  <p:par>
+                    <p:cTn id="3" fill="hold">
+                      <p:stCondLst>
+                        <p:cond delay="indefinite"/>
+                      </p:stCondLst>
+                      <p:childTnLst>
+                        <p:par>
+                          <p:cTn id="4" fill="hold">
+                            <p:stCondLst>
+                              <p:cond delay="0"/>
+                            </p:stCondLst>
+                            <p:childTnLst>
+                              <p:par>
+                                <p:cTn id="5" presetID="3" presetClass="entr" presetSubtype="10" fill="hold" nodeType="clickEffect">
+                                  <p:stCondLst>
+                                    <p:cond delay="0"/>
+                                  </p:stCondLst>
+                                  <p:childTnLst>
+                                    <p:set>
+                                      <p:cBhvr>
+                                        <p:cTn id="6" dur="1" fill="hold">
+                                          <p:stCondLst>
+                                            <p:cond delay="0"/>
+                                          </p:stCondLst>
+                                        </p:cTn>
+                                        <p:tgtEl>
+                                          <p:spTgt spid="12"/>
+                                        </p:tgtEl>
+                                        <p:attrNameLst>
+                                          <p:attrName>style.visibility</p:attrName>
+                                        </p:attrNameLst>
+                                      </p:cBhvr>
+                                      <p:to>
+                                        <p:strVal val="visible"/>
+                                      </p:to>
+                                    </p:set>
+                                    <p:animEffect transition="in" filter="blinds(horizontal)">
+                                      <p:cBhvr>
+                                        <p:cTn id="7" dur="500"/>
+                                        <p:tgtEl>
+                                          <p:spTgt spid="12"/>
+                                        </p:tgtEl>
+                                      </p:cBhvr>
+                                    </p:animEffect>
+                                  </p:childTnLst>
+                                </p:cTn>
+                              </p:par>
+                              <p:par>
+                                <p:cTn id="8" presetID="3" presetClass="entr" presetSubtype="10" fill="hold" nodeType="withEffect">
+                                  <p:stCondLst>
+                                    <p:cond delay="0"/>
+                                  </p:stCondLst>
+                                  <p:childTnLst>
+                                    <p:set>
+                                      <p:cBhvr>
+                                        <p:cTn id="9" dur="1" fill="hold">
+                                          <p:stCondLst>
+                                            <p:cond delay="0"/>
+                                          </p:stCondLst>
+                                        </p:cTn>
+                                        <p:tgtEl>
+                                          <p:spTgt spid="14"/>
+                                        </p:tgtEl>
+                                        <p:attrNameLst>
+                                          <p:attrName>style.visibility</p:attrName>
+                                        </p:attrNameLst>
+                                      </p:cBhvr>
+                                      <p:to>
+                                        <p:strVal val="visible"/>
+                                      </p:to>
+                                    </p:set>
+                                    <p:animEffect transition="in" filter="blinds(horizontal)">
+                                      <p:cBhvr>
+                                        <p:cTn id="10" dur="500"/>
+                                        <p:tgtEl>
+                                          <p:spTgt spid="14"/>
+                                        </p:tgtEl>
+                                      </p:cBhvr>
+                                    </p:animEffect>
+                                  </p:childTnLst>
+                                </p:cTn>
+                              </p:par>
+                              <p:par>
+                                <p:cTn id="11" presetID="3" presetClass="entr" presetSubtype="10" fill="hold" nodeType="withEffect">
+                                  <p:stCondLst>
+                                    <p:cond delay="0"/>
+                                  </p:stCondLst>
+                                  <p:childTnLst>
+                                    <p:set>
+                                      <p:cBhvr>
+                                        <p:cTn id="12" dur="1" fill="hold">
+                                          <p:stCondLst>
+                                            <p:cond delay="0"/>
+                                          </p:stCondLst>
+                                        </p:cTn>
+                                        <p:tgtEl>
+                                          <p:spTgt spid="16"/>
+                                        </p:tgtEl>
+                                        <p:attrNameLst>
+                                          <p:attrName>style.visibility</p:attrName>
+                                        </p:attrNameLst>
+                                      </p:cBhvr>
+                                      <p:to>
+                                        <p:strVal val="visible"/>
+                                      </p:to>
+                                    </p:set>
+                                    <p:animEffect transition="in" filter="blinds(horizontal)">
+                                      <p:cBhvr>
+                                        <p:cTn id="13" dur="500"/>
+                                        <p:tgtEl>
+                                          <p:spTgt spid="16"/>
+                                        </p:tgtEl>
+                                      </p:cBhvr>
+                                    </p:animEffect>
+                                  </p:childTnLst>
+                                </p:cTn>
+                              </p:par>
+                            </p:childTnLst>
+                          </p:cTn>
+                        </p:par>
+                      </p:childTnLst>
+                    </p:cTn>
+                  </p:par>
+                  <p:par>
+                    <p:cTn id="14" fill="hold">
+                      <p:stCondLst>
+                        <p:cond delay="indefinite"/>
+                      </p:stCondLst>
+                      <p:childTnLst>
+                        <p:par>
+                          <p:cTn id="15" fill="hold">
+                            <p:stCondLst>
+                              <p:cond delay="0"/>
+                            </p:stCondLst>
+                            <p:childTnLst>
+                              <p:par>
+                                <p:cTn id="16" presetID="3" presetClass="entr" presetSubtype="10" fill="hold" nodeType="clickEffect">
+                                  <p:stCondLst>
+                                    <p:cond delay="0"/>
+                                  </p:stCondLst>
+                                  <p:childTnLst>
+                                    <p:set>
+                                      <p:cBhvr>
+                                        <p:cTn id="17" dur="1" fill="hold">
+                                          <p:stCondLst>
+                                            <p:cond delay="0"/>
+                                          </p:stCondLst>
+                                        </p:cTn>
+                                        <p:tgtEl>
+                                          <p:spTgt spid="84"/>
+                                        </p:tgtEl>
+                                        <p:attrNameLst>
+                                          <p:attrName>style.visibility</p:attrName>
+                                        </p:attrNameLst>
+                                      </p:cBhvr>
+                                      <p:to>
+                                        <p:strVal val="visible"/>
+                                      </p:to>
+                                    </p:set>
+                                    <p:animEffect transition="in" filter="blinds(horizontal)">
+                                      <p:cBhvr>
+                                        <p:cTn id="18" dur="500"/>
+                                        <p:tgtEl>
+                                          <p:spTgt spid="84"/>
+                                        </p:tgtEl>
+                                      </p:cBhvr>
+                                    </p:animEffect>
+                                  </p:childTnLst>
+                                </p:cTn>
+                              </p:par>
+                              <p:par>
+                                <p:cTn id="19" presetID="3" presetClass="entr" presetSubtype="10" fill="hold" nodeType="withEffect">
+                                  <p:stCondLst>
+                                    <p:cond delay="0"/>
+                                  </p:stCondLst>
+                                  <p:childTnLst>
+                                    <p:set>
+                                      <p:cBhvr>
+                                        <p:cTn id="20" dur="1" fill="hold">
+                                          <p:stCondLst>
+                                            <p:cond delay="0"/>
+                                          </p:stCondLst>
+                                        </p:cTn>
+                                        <p:tgtEl>
+                                          <p:spTgt spid="81"/>
+                                        </p:tgtEl>
+                                        <p:attrNameLst>
+                                          <p:attrName>style.visibility</p:attrName>
+                                        </p:attrNameLst>
+                                      </p:cBhvr>
+                                      <p:to>
+                                        <p:strVal val="visible"/>
+                                      </p:to>
+                                    </p:set>
+                                    <p:animEffect transition="in" filter="blinds(horizontal)">
+                                      <p:cBhvr>
+                                        <p:cTn id="21" dur="500"/>
+                                        <p:tgtEl>
+                                          <p:spTgt spid="81"/>
+                                        </p:tgtEl>
+                                      </p:cBhvr>
+                                    </p:animEffect>
+                                  </p:childTnLst>
+                                </p:cTn>
+                              </p:par>
+                            </p:childTnLst>
+                          </p:cTn>
+                        </p:par>
+                      </p:childTnLst>
+                    </p:cTn>
+                  </p:par>
+                  <p:par>
+                    <p:cTn id="22" fill="hold">
+                      <p:stCondLst>
+                        <p:cond delay="indefinite"/>
+                      </p:stCondLst>
+                      <p:childTnLst>
+                        <p:par>
+                          <p:cTn id="23" fill="hold">
+                            <p:stCondLst>
+                              <p:cond delay="0"/>
+                            </p:stCondLst>
+                            <p:childTnLst>
+                              <p:par>
+                                <p:cTn id="24" presetID="3" presetClass="entr" presetSubtype="10" fill="hold" nodeType="clickEffect">
+                                  <p:stCondLst>
+                                    <p:cond delay="0"/>
+                                  </p:stCondLst>
+                                  <p:childTnLst>
+                                    <p:set>
+                                      <p:cBhvr>
+                                        <p:cTn id="25" dur="1" fill="hold">
+                                          <p:stCondLst>
+                                            <p:cond delay="0"/>
+                                          </p:stCondLst>
+                                        </p:cTn>
+                                        <p:tgtEl>
+                                          <p:spTgt spid="21"/>
+                                        </p:tgtEl>
+                                        <p:attrNameLst>
+                                          <p:attrName>style.visibility</p:attrName>
+                                        </p:attrNameLst>
+                                      </p:cBhvr>
+                                      <p:to>
+                                        <p:strVal val="visible"/>
+                                      </p:to>
+                                    </p:set>
+                                    <p:animEffect transition="in" filter="blinds(horizontal)">
+                                      <p:cBhvr>
+                                        <p:cTn id="26" dur="500"/>
+                                        <p:tgtEl>
+                                          <p:spTgt spid="21"/>
+                                        </p:tgtEl>
+                                      </p:cBhvr>
+                                    </p:animEffect>
+                                  </p:childTnLst>
+                                </p:cTn>
+                              </p:par>
+                              <p:par>
+                                <p:cTn id="27" presetID="3" presetClass="entr" presetSubtype="10" fill="hold" nodeType="withEffect">
+                                  <p:stCondLst>
+                                    <p:cond delay="0"/>
+                                  </p:stCondLst>
+                                  <p:childTnLst>
+                                    <p:set>
+                                      <p:cBhvr>
+                                        <p:cTn id="28" dur="1" fill="hold">
+                                          <p:stCondLst>
+                                            <p:cond delay="0"/>
+                                          </p:stCondLst>
+                                        </p:cTn>
+                                        <p:tgtEl>
+                                          <p:spTgt spid="18"/>
+                                        </p:tgtEl>
+                                        <p:attrNameLst>
+                                          <p:attrName>style.visibility</p:attrName>
+                                        </p:attrNameLst>
+                                      </p:cBhvr>
+                                      <p:to>
+                                        <p:strVal val="visible"/>
+                                      </p:to>
+                                    </p:set>
+                                    <p:animEffect transition="in" filter="blinds(horizontal)">
+                                      <p:cBhvr>
+                                        <p:cTn id="29" dur="500"/>
+                                        <p:tgtEl>
+                                          <p:spTgt spid="18"/>
+                                        </p:tgtEl>
+                                      </p:cBhvr>
+                                    </p:animEffect>
+                                  </p:childTnLst>
+                                </p:cTn>
+                              </p:par>
+                              <p:par>
+                                <p:cTn id="30" presetID="3" presetClass="entr" presetSubtype="10" fill="hold" nodeType="withEffect">
+                                  <p:stCondLst>
+                                    <p:cond delay="0"/>
+                                  </p:stCondLst>
+                                  <p:childTnLst>
+                                    <p:set>
+                                      <p:cBhvr>
+                                        <p:cTn id="31" dur="1" fill="hold">
+                                          <p:stCondLst>
+                                            <p:cond delay="0"/>
+                                          </p:stCondLst>
+                                        </p:cTn>
+                                        <p:tgtEl>
+                                          <p:spTgt spid="24"/>
+                                        </p:tgtEl>
+                                        <p:attrNameLst>
+                                          <p:attrName>style.visibility</p:attrName>
+                                        </p:attrNameLst>
+                                      </p:cBhvr>
+                                      <p:to>
+                                        <p:strVal val="visible"/>
+                                      </p:to>
+                                    </p:set>
+                                    <p:animEffect transition="in" filter="blinds(horizontal)">
+                                      <p:cBhvr>
+                                        <p:cTn id="32" dur="500"/>
+                                        <p:tgtEl>
+                                          <p:spTgt spid="24"/>
+                                        </p:tgtEl>
+                                      </p:cBhvr>
+                                    </p:animEffect>
+                                  </p:childTnLst>
+                                </p:cTn>
+                              </p:par>
+                            </p:childTnLst>
+                          </p:cTn>
+                        </p:par>
+                      </p:childTnLst>
+                    </p:cTn>
+                  </p:par>
+                  <p:par>
+                    <p:cTn id="33" fill="hold">
+                      <p:stCondLst>
+                        <p:cond delay="indefinite"/>
+                      </p:stCondLst>
+                      <p:childTnLst>
+                        <p:par>
+                          <p:cTn id="34" fill="hold">
+                            <p:stCondLst>
+                              <p:cond delay="0"/>
+                            </p:stCondLst>
+                            <p:childTnLst>
+                              <p:par>
+                                <p:cTn id="35" presetID="3" presetClass="entr" presetSubtype="10" fill="hold" nodeType="clickEffect">
+                                  <p:stCondLst>
+                                    <p:cond delay="0"/>
+                                  </p:stCondLst>
+                                  <p:childTnLst>
+                                    <p:set>
+                                      <p:cBhvr>
+                                        <p:cTn id="36" dur="1" fill="hold">
+                                          <p:stCondLst>
+                                            <p:cond delay="0"/>
+                                          </p:stCondLst>
+                                        </p:cTn>
+                                        <p:tgtEl>
+                                          <p:spTgt spid="86"/>
+                                        </p:tgtEl>
+                                        <p:attrNameLst>
+                                          <p:attrName>style.visibility</p:attrName>
+                                        </p:attrNameLst>
+                                      </p:cBhvr>
+                                      <p:to>
+                                        <p:strVal val="visible"/>
+                                      </p:to>
+                                    </p:set>
+                                    <p:animEffect transition="in" filter="blinds(horizontal)">
+                                      <p:cBhvr>
+                                        <p:cTn id="37" dur="500"/>
+                                        <p:tgtEl>
+                                          <p:spTgt spid="86"/>
+                                        </p:tgtEl>
+                                      </p:cBhvr>
+                                    </p:animEffect>
+                                  </p:childTnLst>
+                                </p:cTn>
+                              </p:par>
+                              <p:par>
+                                <p:cTn id="38" presetID="3" presetClass="entr" presetSubtype="10" fill="hold" nodeType="withEffect">
+                                  <p:stCondLst>
+                                    <p:cond delay="0"/>
+                                  </p:stCondLst>
+                                  <p:childTnLst>
+                                    <p:set>
+                                      <p:cBhvr>
+                                        <p:cTn id="39" dur="1" fill="hold">
+                                          <p:stCondLst>
+                                            <p:cond delay="0"/>
+                                          </p:stCondLst>
+                                        </p:cTn>
+                                        <p:tgtEl>
+                                          <p:spTgt spid="82"/>
+                                        </p:tgtEl>
+                                        <p:attrNameLst>
+                                          <p:attrName>style.visibility</p:attrName>
+                                        </p:attrNameLst>
+                                      </p:cBhvr>
+                                      <p:to>
+                                        <p:strVal val="visible"/>
+                                      </p:to>
+                                    </p:set>
+                                    <p:animEffect transition="in" filter="blinds(horizontal)">
+                                      <p:cBhvr>
+                                        <p:cTn id="40" dur="500"/>
+                                        <p:tgtEl>
+                                          <p:spTgt spid="82"/>
+                                        </p:tgtEl>
+                                      </p:cBhvr>
+                                    </p:animEffect>
+                                  </p:childTnLst>
+                                </p:cTn>
+                              </p:par>
+                            </p:childTnLst>
+                          </p:cTn>
+                        </p:par>
+                      </p:childTnLst>
+                    </p:cTn>
+                  </p:par>
+                  <p:par>
+                    <p:cTn id="41" fill="hold">
+                      <p:stCondLst>
+                        <p:cond delay="indefinite"/>
+                      </p:stCondLst>
+                      <p:childTnLst>
+                        <p:par>
+                          <p:cTn id="42" fill="hold">
+                            <p:stCondLst>
+                              <p:cond delay="0"/>
+                            </p:stCondLst>
+                            <p:childTnLst>
+                              <p:par>
+                                <p:cTn id="43" presetID="3" presetClass="entr" presetSubtype="10" fill="hold" nodeType="clickEffect">
+                                  <p:stCondLst>
+                                    <p:cond delay="0"/>
+                                  </p:stCondLst>
+                                  <p:childTnLst>
+                                    <p:set>
+                                      <p:cBhvr>
+                                        <p:cTn id="44" dur="1" fill="hold">
+                                          <p:stCondLst>
+                                            <p:cond delay="0"/>
+                                          </p:stCondLst>
+                                        </p:cTn>
+                                        <p:tgtEl>
+                                          <p:spTgt spid="94"/>
+                                        </p:tgtEl>
+                                        <p:attrNameLst>
+                                          <p:attrName>style.visibility</p:attrName>
+                                        </p:attrNameLst>
+                                      </p:cBhvr>
+                                      <p:to>
+                                        <p:strVal val="visible"/>
+                                      </p:to>
+                                    </p:set>
+                                    <p:animEffect transition="in" filter="blinds(horizontal)">
+                                      <p:cBhvr>
+                                        <p:cTn id="45" dur="500"/>
+                                        <p:tgtEl>
+                                          <p:spTgt spid="94"/>
+                                        </p:tgtEl>
+                                      </p:cBhvr>
+                                    </p:animEffect>
+                                  </p:childTnLst>
+                                </p:cTn>
+                              </p:par>
+                              <p:par>
+                                <p:cTn id="46" presetID="3" presetClass="entr" presetSubtype="10" fill="hold" grpId="0" nodeType="withEffect">
+                                  <p:stCondLst>
+                                    <p:cond delay="0"/>
+                                  </p:stCondLst>
+                                  <p:childTnLst>
+                                    <p:set>
+                                      <p:cBhvr>
+                                        <p:cTn id="47" dur="1" fill="hold">
+                                          <p:stCondLst>
+                                            <p:cond delay="0"/>
+                                          </p:stCondLst>
+                                        </p:cTn>
+                                        <p:tgtEl>
+                                          <p:spTgt spid="89"/>
+                                        </p:tgtEl>
+                                        <p:attrNameLst>
+                                          <p:attrName>style.visibility</p:attrName>
+                                        </p:attrNameLst>
+                                      </p:cBhvr>
+                                      <p:to>
+                                        <p:strVal val="visible"/>
+                                      </p:to>
+                                    </p:set>
+                                    <p:animEffect transition="in" filter="blinds(horizontal)">
+                                      <p:cBhvr>
+                                        <p:cTn id="48" dur="500"/>
+                                        <p:tgtEl>
+                                          <p:spTgt spid="89"/>
+                                        </p:tgtEl>
+                                      </p:cBhvr>
+                                    </p:animEffect>
+                                  </p:childTnLst>
+                                </p:cTn>
+                              </p:par>
+                              <p:par>
+                                <p:cTn id="49" presetID="3" presetClass="entr" presetSubtype="10" fill="hold" nodeType="withEffect">
+                                  <p:stCondLst>
+                                    <p:cond delay="0"/>
+                                  </p:stCondLst>
+                                  <p:childTnLst>
+                                    <p:set>
+                                      <p:cBhvr>
+                                        <p:cTn id="50" dur="1" fill="hold">
+                                          <p:stCondLst>
+                                            <p:cond delay="0"/>
+                                          </p:stCondLst>
+                                        </p:cTn>
+                                        <p:tgtEl>
+                                          <p:spTgt spid="97"/>
+                                        </p:tgtEl>
+                                        <p:attrNameLst>
+                                          <p:attrName>style.visibility</p:attrName>
+                                        </p:attrNameLst>
+                                      </p:cBhvr>
+                                      <p:to>
+                                        <p:strVal val="visible"/>
+                                      </p:to>
+                                    </p:set>
+                                    <p:animEffect transition="in" filter="blinds(horizontal)">
+                                      <p:cBhvr>
+                                        <p:cTn id="51" dur="500"/>
+                                        <p:tgtEl>
+                                          <p:spTgt spid="97"/>
+                                        </p:tgtEl>
+                                      </p:cBhvr>
+                                    </p:animEffect>
+                                  </p:childTnLst>
+                                </p:cTn>
+                              </p:par>
+                              <p:par>
+                                <p:cTn id="52" presetID="3" presetClass="entr" presetSubtype="10" fill="hold" grpId="0" nodeType="withEffect">
+                                  <p:stCondLst>
+                                    <p:cond delay="0"/>
+                                  </p:stCondLst>
+                                  <p:childTnLst>
+                                    <p:set>
+                                      <p:cBhvr>
+                                        <p:cTn id="53" dur="1" fill="hold">
+                                          <p:stCondLst>
+                                            <p:cond delay="0"/>
+                                          </p:stCondLst>
+                                        </p:cTn>
+                                        <p:tgtEl>
+                                          <p:spTgt spid="92"/>
+                                        </p:tgtEl>
+                                        <p:attrNameLst>
+                                          <p:attrName>style.visibility</p:attrName>
+                                        </p:attrNameLst>
+                                      </p:cBhvr>
+                                      <p:to>
+                                        <p:strVal val="visible"/>
+                                      </p:to>
+                                    </p:set>
+                                    <p:animEffect transition="in" filter="blinds(horizontal)">
+                                      <p:cBhvr>
+                                        <p:cTn id="54" dur="500"/>
+                                        <p:tgtEl>
+                                          <p:spTgt spid="92"/>
+                                        </p:tgtEl>
+                                      </p:cBhvr>
+                                    </p:animEffect>
+                                  </p:childTnLst>
+                                </p:cTn>
+                              </p:par>
+                              <p:par>
+                                <p:cTn id="55" presetID="3" presetClass="entr" presetSubtype="10" fill="hold" nodeType="withEffect">
+                                  <p:stCondLst>
+                                    <p:cond delay="0"/>
+                                  </p:stCondLst>
+                                  <p:childTnLst>
+                                    <p:set>
+                                      <p:cBhvr>
+                                        <p:cTn id="56" dur="1" fill="hold">
+                                          <p:stCondLst>
+                                            <p:cond delay="0"/>
+                                          </p:stCondLst>
+                                        </p:cTn>
+                                        <p:tgtEl>
+                                          <p:spTgt spid="106"/>
+                                        </p:tgtEl>
+                                        <p:attrNameLst>
+                                          <p:attrName>style.visibility</p:attrName>
+                                        </p:attrNameLst>
+                                      </p:cBhvr>
+                                      <p:to>
+                                        <p:strVal val="visible"/>
+                                      </p:to>
+                                    </p:set>
+                                    <p:animEffect transition="in" filter="blinds(horizontal)">
+                                      <p:cBhvr>
+                                        <p:cTn id="57" dur="500"/>
+                                        <p:tgtEl>
+                                          <p:spTgt spid="106"/>
+                                        </p:tgtEl>
+                                      </p:cBhvr>
+                                    </p:animEffect>
+                                  </p:childTnLst>
+                                </p:cTn>
+                              </p:par>
+                              <p:par>
+                                <p:cTn id="58" presetID="3" presetClass="entr" presetSubtype="10" fill="hold" grpId="0" nodeType="withEffect">
+                                  <p:stCondLst>
+                                    <p:cond delay="0"/>
+                                  </p:stCondLst>
+                                  <p:childTnLst>
+                                    <p:set>
+                                      <p:cBhvr>
+                                        <p:cTn id="59" dur="1" fill="hold">
+                                          <p:stCondLst>
+                                            <p:cond delay="0"/>
+                                          </p:stCondLst>
+                                        </p:cTn>
+                                        <p:tgtEl>
+                                          <p:spTgt spid="91"/>
+                                        </p:tgtEl>
+                                        <p:attrNameLst>
+                                          <p:attrName>style.visibility</p:attrName>
+                                        </p:attrNameLst>
+                                      </p:cBhvr>
+                                      <p:to>
+                                        <p:strVal val="visible"/>
+                                      </p:to>
+                                    </p:set>
+                                    <p:animEffect transition="in" filter="blinds(horizontal)">
+                                      <p:cBhvr>
+                                        <p:cTn id="60" dur="500"/>
+                                        <p:tgtEl>
+                                          <p:spTgt spid="91"/>
+                                        </p:tgtEl>
+                                      </p:cBhvr>
+                                    </p:animEffect>
+                                  </p:childTnLst>
+                                </p:cTn>
+                              </p:par>
+                              <p:par>
+                                <p:cTn id="61" presetID="3" presetClass="entr" presetSubtype="10" fill="hold" nodeType="withEffect">
+                                  <p:stCondLst>
+                                    <p:cond delay="0"/>
+                                  </p:stCondLst>
+                                  <p:childTnLst>
+                                    <p:set>
+                                      <p:cBhvr>
+                                        <p:cTn id="62" dur="1" fill="hold">
+                                          <p:stCondLst>
+                                            <p:cond delay="0"/>
+                                          </p:stCondLst>
+                                        </p:cTn>
+                                        <p:tgtEl>
+                                          <p:spTgt spid="99"/>
+                                        </p:tgtEl>
+                                        <p:attrNameLst>
+                                          <p:attrName>style.visibility</p:attrName>
+                                        </p:attrNameLst>
+                                      </p:cBhvr>
+                                      <p:to>
+                                        <p:strVal val="visible"/>
+                                      </p:to>
+                                    </p:set>
+                                    <p:animEffect transition="in" filter="blinds(horizontal)">
+                                      <p:cBhvr>
+                                        <p:cTn id="63" dur="500"/>
+                                        <p:tgtEl>
+                                          <p:spTgt spid="99"/>
+                                        </p:tgtEl>
+                                      </p:cBhvr>
+                                    </p:animEffect>
+                                  </p:childTnLst>
+                                </p:cTn>
+                              </p:par>
+                              <p:par>
+                                <p:cTn id="64" presetID="3" presetClass="entr" presetSubtype="10" fill="hold" grpId="0" nodeType="withEffect">
+                                  <p:stCondLst>
+                                    <p:cond delay="0"/>
+                                  </p:stCondLst>
+                                  <p:childTnLst>
+                                    <p:set>
+                                      <p:cBhvr>
+                                        <p:cTn id="65" dur="1" fill="hold">
+                                          <p:stCondLst>
+                                            <p:cond delay="0"/>
+                                          </p:stCondLst>
+                                        </p:cTn>
+                                        <p:tgtEl>
+                                          <p:spTgt spid="90"/>
+                                        </p:tgtEl>
+                                        <p:attrNameLst>
+                                          <p:attrName>style.visibility</p:attrName>
+                                        </p:attrNameLst>
+                                      </p:cBhvr>
+                                      <p:to>
+                                        <p:strVal val="visible"/>
+                                      </p:to>
+                                    </p:set>
+                                    <p:animEffect transition="in" filter="blinds(horizontal)">
+                                      <p:cBhvr>
+                                        <p:cTn id="66" dur="500"/>
+                                        <p:tgtEl>
+                                          <p:spTgt spid="90"/>
+                                        </p:tgtEl>
+                                      </p:cBhvr>
+                                    </p:animEffect>
+                                  </p:childTnLst>
+                                </p:cTn>
+                              </p:par>
+                            </p:childTnLst>
+                          </p:cTn>
+                        </p:par>
+                      </p:childTnLst>
+                    </p:cTn>
+                  </p:par>
+                  <p:par>
+                    <p:cTn id="67" fill="hold">
+                      <p:stCondLst>
+                        <p:cond delay="indefinite"/>
+                      </p:stCondLst>
+                      <p:childTnLst>
+                        <p:par>
+                          <p:cTn id="68" fill="hold">
+                            <p:stCondLst>
+                              <p:cond delay="0"/>
+                            </p:stCondLst>
+                            <p:childTnLst>
+                              <p:par>
+                                <p:cTn id="69" presetID="3" presetClass="entr" presetSubtype="10" fill="hold" nodeType="clickEffect">
+                                  <p:stCondLst>
+                                    <p:cond delay="0"/>
+                                  </p:stCondLst>
+                                  <p:childTnLst>
+                                    <p:set>
+                                      <p:cBhvr>
+                                        <p:cTn id="70" dur="1" fill="hold">
+                                          <p:stCondLst>
+                                            <p:cond delay="0"/>
+                                          </p:stCondLst>
+                                        </p:cTn>
+                                        <p:tgtEl>
+                                          <p:spTgt spid="108"/>
+                                        </p:tgtEl>
+                                        <p:attrNameLst>
+                                          <p:attrName>style.visibility</p:attrName>
+                                        </p:attrNameLst>
+                                      </p:cBhvr>
+                                      <p:to>
+                                        <p:strVal val="visible"/>
+                                      </p:to>
+                                    </p:set>
+                                    <p:animEffect transition="in" filter="blinds(horizontal)">
+                                      <p:cBhvr>
+                                        <p:cTn id="71" dur="500"/>
+                                        <p:tgtEl>
+                                          <p:spTgt spid="108"/>
+                                        </p:tgtEl>
+                                      </p:cBhvr>
+                                    </p:animEffect>
+                                  </p:childTnLst>
+                                </p:cTn>
+                              </p:par>
+                              <p:par>
+                                <p:cTn id="72" presetID="3" presetClass="entr" presetSubtype="10" fill="hold" nodeType="withEffect">
+                                  <p:stCondLst>
+                                    <p:cond delay="0"/>
+                                  </p:stCondLst>
+                                  <p:childTnLst>
+                                    <p:set>
+                                      <p:cBhvr>
+                                        <p:cTn id="73" dur="1" fill="hold">
+                                          <p:stCondLst>
+                                            <p:cond delay="0"/>
+                                          </p:stCondLst>
+                                        </p:cTn>
+                                        <p:tgtEl>
+                                          <p:spTgt spid="111"/>
+                                        </p:tgtEl>
+                                        <p:attrNameLst>
+                                          <p:attrName>style.visibility</p:attrName>
+                                        </p:attrNameLst>
+                                      </p:cBhvr>
+                                      <p:to>
+                                        <p:strVal val="visible"/>
+                                      </p:to>
+                                    </p:set>
+                                    <p:animEffect transition="in" filter="blinds(horizontal)">
+                                      <p:cBhvr>
+                                        <p:cTn id="74" dur="500"/>
+                                        <p:tgtEl>
+                                          <p:spTgt spid="111"/>
+                                        </p:tgtEl>
+                                      </p:cBhvr>
+                                    </p:animEffect>
+                                  </p:childTnLst>
+                                </p:cTn>
+                              </p:par>
+                              <p:par>
+                                <p:cTn id="75" presetID="3" presetClass="entr" presetSubtype="10" fill="hold" nodeType="withEffect">
+                                  <p:stCondLst>
+                                    <p:cond delay="0"/>
+                                  </p:stCondLst>
+                                  <p:childTnLst>
+                                    <p:set>
+                                      <p:cBhvr>
+                                        <p:cTn id="76" dur="1" fill="hold">
+                                          <p:stCondLst>
+                                            <p:cond delay="0"/>
+                                          </p:stCondLst>
+                                        </p:cTn>
+                                        <p:tgtEl>
+                                          <p:spTgt spid="113"/>
+                                        </p:tgtEl>
+                                        <p:attrNameLst>
+                                          <p:attrName>style.visibility</p:attrName>
+                                        </p:attrNameLst>
+                                      </p:cBhvr>
+                                      <p:to>
+                                        <p:strVal val="visible"/>
+                                      </p:to>
+                                    </p:set>
+                                    <p:animEffect transition="in" filter="blinds(horizontal)">
+                                      <p:cBhvr>
+                                        <p:cTn id="77" dur="500"/>
+                                        <p:tgtEl>
+                                          <p:spTgt spid="113"/>
+                                        </p:tgtEl>
+                                      </p:cBhvr>
+                                    </p:animEffect>
+                                  </p:childTnLst>
+                                </p:cTn>
+                              </p:par>
+                            </p:childTnLst>
+                          </p:cTn>
+                        </p:par>
+                      </p:childTnLst>
+                    </p:cTn>
+                  </p:par>
+                  <p:par>
+                    <p:cTn id="78" fill="hold">
+                      <p:stCondLst>
+                        <p:cond delay="indefinite"/>
+                      </p:stCondLst>
+                      <p:childTnLst>
+                        <p:par>
+                          <p:cTn id="79" fill="hold">
+                            <p:stCondLst>
+                              <p:cond delay="0"/>
+                            </p:stCondLst>
+                            <p:childTnLst>
+                              <p:par>
+                                <p:cTn id="80" presetID="3" presetClass="entr" presetSubtype="10" fill="hold" nodeType="clickEffect">
+                                  <p:stCondLst>
+                                    <p:cond delay="0"/>
+                                  </p:stCondLst>
+                                  <p:childTnLst>
+                                    <p:set>
+                                      <p:cBhvr>
+                                        <p:cTn id="81" dur="1" fill="hold">
+                                          <p:stCondLst>
+                                            <p:cond delay="0"/>
+                                          </p:stCondLst>
+                                        </p:cTn>
+                                        <p:tgtEl>
+                                          <p:spTgt spid="116"/>
+                                        </p:tgtEl>
+                                        <p:attrNameLst>
+                                          <p:attrName>style.visibility</p:attrName>
+                                        </p:attrNameLst>
+                                      </p:cBhvr>
+                                      <p:to>
+                                        <p:strVal val="visible"/>
+                                      </p:to>
+                                    </p:set>
+                                    <p:animEffect transition="in" filter="blinds(horizontal)">
+                                      <p:cBhvr>
+                                        <p:cTn id="82" dur="500"/>
+                                        <p:tgtEl>
+                                          <p:spTgt spid="116"/>
+                                        </p:tgtEl>
+                                      </p:cBhvr>
+                                    </p:animEffect>
+                                  </p:childTnLst>
+                                </p:cTn>
+                              </p:par>
+                              <p:par>
+                                <p:cTn id="83" presetID="3" presetClass="entr" presetSubtype="10" fill="hold" nodeType="withEffect">
+                                  <p:stCondLst>
+                                    <p:cond delay="0"/>
+                                  </p:stCondLst>
+                                  <p:childTnLst>
+                                    <p:set>
+                                      <p:cBhvr>
+                                        <p:cTn id="84" dur="1" fill="hold">
+                                          <p:stCondLst>
+                                            <p:cond delay="0"/>
+                                          </p:stCondLst>
+                                        </p:cTn>
+                                        <p:tgtEl>
+                                          <p:spTgt spid="118"/>
+                                        </p:tgtEl>
+                                        <p:attrNameLst>
+                                          <p:attrName>style.visibility</p:attrName>
+                                        </p:attrNameLst>
+                                      </p:cBhvr>
+                                      <p:to>
+                                        <p:strVal val="visible"/>
+                                      </p:to>
+                                    </p:set>
+                                    <p:animEffect transition="in" filter="blinds(horizontal)">
+                                      <p:cBhvr>
+                                        <p:cTn id="85" dur="500"/>
+                                        <p:tgtEl>
+                                          <p:spTgt spid="118"/>
+                                        </p:tgtEl>
+                                      </p:cBhvr>
+                                    </p:animEffect>
+                                  </p:childTnLst>
+                                </p:cTn>
+                              </p:par>
+                              <p:par>
+                                <p:cTn id="86" presetID="3" presetClass="entr" presetSubtype="10" fill="hold" nodeType="withEffect">
+                                  <p:stCondLst>
+                                    <p:cond delay="0"/>
+                                  </p:stCondLst>
+                                  <p:childTnLst>
+                                    <p:set>
+                                      <p:cBhvr>
+                                        <p:cTn id="87" dur="1" fill="hold">
+                                          <p:stCondLst>
+                                            <p:cond delay="0"/>
+                                          </p:stCondLst>
+                                        </p:cTn>
+                                        <p:tgtEl>
+                                          <p:spTgt spid="120"/>
+                                        </p:tgtEl>
+                                        <p:attrNameLst>
+                                          <p:attrName>style.visibility</p:attrName>
+                                        </p:attrNameLst>
+                                      </p:cBhvr>
+                                      <p:to>
+                                        <p:strVal val="visible"/>
+                                      </p:to>
+                                    </p:set>
+                                    <p:animEffect transition="in" filter="blinds(horizontal)">
+                                      <p:cBhvr>
+                                        <p:cTn id="88" dur="500"/>
+                                        <p:tgtEl>
+                                          <p:spTgt spid="120"/>
+                                        </p:tgtEl>
+                                      </p:cBhvr>
+                                    </p:animEffect>
+                                  </p:childTnLst>
+                                </p:cTn>
+                              </p:par>
+                              <p:par>
+                                <p:cTn id="89" presetID="3" presetClass="entr" presetSubtype="10" fill="hold" nodeType="withEffect">
+                                  <p:stCondLst>
+                                    <p:cond delay="0"/>
+                                  </p:stCondLst>
+                                  <p:childTnLst>
+                                    <p:set>
+                                      <p:cBhvr>
+                                        <p:cTn id="90" dur="1" fill="hold">
+                                          <p:stCondLst>
+                                            <p:cond delay="0"/>
+                                          </p:stCondLst>
+                                        </p:cTn>
+                                        <p:tgtEl>
+                                          <p:spTgt spid="114"/>
+                                        </p:tgtEl>
+                                        <p:attrNameLst>
+                                          <p:attrName>style.visibility</p:attrName>
+                                        </p:attrNameLst>
+                                      </p:cBhvr>
+                                      <p:to>
+                                        <p:strVal val="visible"/>
+                                      </p:to>
+                                    </p:set>
+                                    <p:animEffect transition="in" filter="blinds(horizontal)">
+                                      <p:cBhvr>
+                                        <p:cTn id="91" dur="500"/>
+                                        <p:tgtEl>
+                                          <p:spTgt spid="114"/>
+                                        </p:tgtEl>
+                                      </p:cBhvr>
+                                    </p:animEffect>
+                                  </p:childTnLst>
+                                </p:cTn>
+                              </p:par>
+                            </p:childTnLst>
+                          </p:cTn>
+                        </p:par>
+                      </p:childTnLst>
+                    </p:cTn>
+                  </p:par>
+                </p:childTnLst>
+              </p:cTn>
+              <p:prevCondLst>
+                <p:cond evt="onPrev" delay="0">
+                  <p:tgtEl>
+                    <p:sldTgt/>
+                  </p:tgtEl>
+                </p:cond>
+              </p:prevCondLst>
+              <p:nextCondLst>
+                <p:cond evt="onNext" delay="0">
+                  <p:tgtEl>
+                    <p:sldTgt/>
+                  </p:tgtEl>
+                </p:cond>
+              </p:nextCondLst>
+            </p:seq>
+          </p:childTnLst>
+        </p:cTn>
       </p:par>
     </p:tnLst>
+    <p:bldLst>
+      <p:bldP spid="89" grpId="0" animBg="1"/>
+      <p:bldP spid="90" grpId="0" animBg="1"/>
+      <p:bldP spid="91" grpId="0" animBg="1"/>
+      <p:bldP spid="92" grpId="0" animBg="1"/>
+    </p:bldLst>
   </p:timing>
+</p:sld>
+</file>
+
+<file path=ppt/slides/slide3.xml><?xml version="1.0" encoding="utf-8"?>
+<p:sld xmlns:a="http://schemas.openxmlformats.org/drawingml/2006/main" xmlns:r="http://schemas.openxmlformats.org/officeDocument/2006/relationships" xmlns:p="http://schemas.openxmlformats.org/presentationml/2006/main">
+  <p:cSld>
+    <p:spTree>
+      <p:nvGrpSpPr>
+        <p:cNvPr id="1" name=""/>
+        <p:cNvGrpSpPr/>
+        <p:nvPr/>
+      </p:nvGrpSpPr>
+      <p:grpSpPr>
+        <a:xfrm>
+          <a:off x="0" y="0"/>
+          <a:ext cx="0" cy="0"/>
+          <a:chOff x="0" y="0"/>
+          <a:chExt cx="0" cy="0"/>
+        </a:xfrm>
+      </p:grpSpPr>
+      <p:sp>
+        <p:nvSpPr>
+          <p:cNvPr id="2" name="Title 1"/>
+          <p:cNvSpPr>
+            <a:spLocks noGrp="1"/>
+          </p:cNvSpPr>
+          <p:nvPr>
+            <p:ph type="title"/>
+          </p:nvPr>
+        </p:nvSpPr>
+        <p:spPr/>
+        <p:txBody>
+          <a:bodyPr/>
+          <a:lstStyle/>
+          <a:p>
+            <a:endParaRPr lang="en-US"/>
+          </a:p>
+        </p:txBody>
+      </p:sp>
+      <p:sp>
+        <p:nvSpPr>
+          <p:cNvPr id="3" name="Content Placeholder 2"/>
+          <p:cNvSpPr>
+            <a:spLocks noGrp="1"/>
+          </p:cNvSpPr>
+          <p:nvPr>
+            <p:ph idx="1"/>
+          </p:nvPr>
+        </p:nvSpPr>
+        <p:spPr/>
+        <p:txBody>
+          <a:bodyPr/>
+          <a:lstStyle/>
+          <a:p>
+            <a:endParaRPr lang="en-US"/>
+          </a:p>
+        </p:txBody>
+      </p:sp>
+    </p:spTree>
+  </p:cSld>
+  <p:clrMapOvr>
+    <a:masterClrMapping/>
+  </p:clrMapOvr>
 </p:sld>
 </file>
 
@@ -6310,7 +8852,7 @@
     </a:clrScheme>
     <a:fontScheme name="Office">
       <a:majorFont>
-        <a:latin typeface="Calibri Light" panose="020F0302020204030204"/>
+        <a:latin typeface="Calibri Light"/>
         <a:ea typeface=""/>
         <a:cs typeface=""/>
         <a:font script="Jpan" typeface="ＭＳ Ｐゴシック"/>
@@ -6345,7 +8887,7 @@
         <a:font script="Geor" typeface="Sylfaen"/>
       </a:majorFont>
       <a:minorFont>
-        <a:latin typeface="Calibri" panose="020F0502020204030204"/>
+        <a:latin typeface="Calibri"/>
         <a:ea typeface=""/>
         <a:cs typeface=""/>
         <a:font script="Jpan" typeface="ＭＳ Ｐゴシック"/>
@@ -6522,7 +9064,7 @@
   <a:extraClrSchemeLst/>
   <a:extLst>
     <a:ext uri="{05A4C25C-085E-4340-85A3-A5531E510DB2}">
-      <thm15:themeFamily xmlns:thm15="http://schemas.microsoft.com/office/thememl/2012/main" name="Office Theme" id="{62F939B6-93AF-4DB8-9C6B-D6C7DFDC589F}" vid="{4A3C46E8-61CC-4603-A589-7422A47A8E4A}"/>
+      <thm15:themeFamily xmlns:thm15="http://schemas.microsoft.com/office/thememl/2012/main" xmlns="" name="Office Theme" id="{62F939B6-93AF-4DB8-9C6B-D6C7DFDC589F}" vid="{4A3C46E8-61CC-4603-A589-7422A47A8E4A}"/>
     </a:ext>
   </a:extLst>
 </a:theme>
